--- a/supporting_slides.pptx
+++ b/supporting_slides.pptx
@@ -9,6 +9,13 @@
   <p:sldIdLst>
     <p:sldId id="256" r:id="rId5"/>
     <p:sldId id="257" r:id="rId6"/>
+    <p:sldId id="258" r:id="rId7"/>
+    <p:sldId id="259" r:id="rId8"/>
+    <p:sldId id="260" r:id="rId9"/>
+    <p:sldId id="261" r:id="rId10"/>
+    <p:sldId id="262" r:id="rId11"/>
+    <p:sldId id="263" r:id="rId12"/>
+    <p:sldId id="264" r:id="rId13"/>
   </p:sldIdLst>
   <p:sldSz cx="10080625" cy="5670550"/>
   <p:notesSz cx="7772400" cy="10058400"/>
@@ -4129,19 +4136,199 @@
               <a:rPr b="0" lang="en-GB" sz="4400" spc="-1" strike="noStrike">
                 <a:latin typeface="Arial"/>
               </a:rPr>
-              <a:t>Click to edit </a:t>
+              <a:t>C</a:t>
             </a:r>
             <a:r>
               <a:rPr b="0" lang="en-GB" sz="4400" spc="-1" strike="noStrike">
                 <a:latin typeface="Arial"/>
               </a:rPr>
-              <a:t>the title text </a:t>
+              <a:t>l</a:t>
             </a:r>
             <a:r>
               <a:rPr b="0" lang="en-GB" sz="4400" spc="-1" strike="noStrike">
                 <a:latin typeface="Arial"/>
               </a:rPr>
-              <a:t>format</a:t>
+              <a:t>i</a:t>
+            </a:r>
+            <a:r>
+              <a:rPr b="0" lang="en-GB" sz="4400" spc="-1" strike="noStrike">
+                <a:latin typeface="Arial"/>
+              </a:rPr>
+              <a:t>c</a:t>
+            </a:r>
+            <a:r>
+              <a:rPr b="0" lang="en-GB" sz="4400" spc="-1" strike="noStrike">
+                <a:latin typeface="Arial"/>
+              </a:rPr>
+              <a:t>k</a:t>
+            </a:r>
+            <a:r>
+              <a:rPr b="0" lang="en-GB" sz="4400" spc="-1" strike="noStrike">
+                <a:latin typeface="Arial"/>
+              </a:rPr>
+              <a:t> </a:t>
+            </a:r>
+            <a:r>
+              <a:rPr b="0" lang="en-GB" sz="4400" spc="-1" strike="noStrike">
+                <a:latin typeface="Arial"/>
+              </a:rPr>
+              <a:t>t</a:t>
+            </a:r>
+            <a:r>
+              <a:rPr b="0" lang="en-GB" sz="4400" spc="-1" strike="noStrike">
+                <a:latin typeface="Arial"/>
+              </a:rPr>
+              <a:t>o</a:t>
+            </a:r>
+            <a:r>
+              <a:rPr b="0" lang="en-GB" sz="4400" spc="-1" strike="noStrike">
+                <a:latin typeface="Arial"/>
+              </a:rPr>
+              <a:t> </a:t>
+            </a:r>
+            <a:r>
+              <a:rPr b="0" lang="en-GB" sz="4400" spc="-1" strike="noStrike">
+                <a:latin typeface="Arial"/>
+              </a:rPr>
+              <a:t>e</a:t>
+            </a:r>
+            <a:r>
+              <a:rPr b="0" lang="en-GB" sz="4400" spc="-1" strike="noStrike">
+                <a:latin typeface="Arial"/>
+              </a:rPr>
+              <a:t>d</a:t>
+            </a:r>
+            <a:r>
+              <a:rPr b="0" lang="en-GB" sz="4400" spc="-1" strike="noStrike">
+                <a:latin typeface="Arial"/>
+              </a:rPr>
+              <a:t>i</a:t>
+            </a:r>
+            <a:r>
+              <a:rPr b="0" lang="en-GB" sz="4400" spc="-1" strike="noStrike">
+                <a:latin typeface="Arial"/>
+              </a:rPr>
+              <a:t>t </a:t>
+            </a:r>
+            <a:r>
+              <a:rPr b="0" lang="en-GB" sz="4400" spc="-1" strike="noStrike">
+                <a:latin typeface="Arial"/>
+              </a:rPr>
+              <a:t>t</a:t>
+            </a:r>
+            <a:r>
+              <a:rPr b="0" lang="en-GB" sz="4400" spc="-1" strike="noStrike">
+                <a:latin typeface="Arial"/>
+              </a:rPr>
+              <a:t>h</a:t>
+            </a:r>
+            <a:r>
+              <a:rPr b="0" lang="en-GB" sz="4400" spc="-1" strike="noStrike">
+                <a:latin typeface="Arial"/>
+              </a:rPr>
+              <a:t>e</a:t>
+            </a:r>
+            <a:r>
+              <a:rPr b="0" lang="en-GB" sz="4400" spc="-1" strike="noStrike">
+                <a:latin typeface="Arial"/>
+              </a:rPr>
+              <a:t> </a:t>
+            </a:r>
+            <a:r>
+              <a:rPr b="0" lang="en-GB" sz="4400" spc="-1" strike="noStrike">
+                <a:latin typeface="Arial"/>
+              </a:rPr>
+              <a:t>t</a:t>
+            </a:r>
+            <a:r>
+              <a:rPr b="0" lang="en-GB" sz="4400" spc="-1" strike="noStrike">
+                <a:latin typeface="Arial"/>
+              </a:rPr>
+              <a:t>i</a:t>
+            </a:r>
+            <a:r>
+              <a:rPr b="0" lang="en-GB" sz="4400" spc="-1" strike="noStrike">
+                <a:latin typeface="Arial"/>
+              </a:rPr>
+              <a:t>t</a:t>
+            </a:r>
+            <a:r>
+              <a:rPr b="0" lang="en-GB" sz="4400" spc="-1" strike="noStrike">
+                <a:latin typeface="Arial"/>
+              </a:rPr>
+              <a:t>l</a:t>
+            </a:r>
+            <a:r>
+              <a:rPr b="0" lang="en-GB" sz="4400" spc="-1" strike="noStrike">
+                <a:latin typeface="Arial"/>
+              </a:rPr>
+              <a:t>e</a:t>
+            </a:r>
+            <a:r>
+              <a:rPr b="0" lang="en-GB" sz="4400" spc="-1" strike="noStrike">
+                <a:latin typeface="Arial"/>
+              </a:rPr>
+              <a:t> </a:t>
+            </a:r>
+            <a:r>
+              <a:rPr b="0" lang="en-GB" sz="4400" spc="-1" strike="noStrike">
+                <a:latin typeface="Arial"/>
+              </a:rPr>
+              <a:t>t</a:t>
+            </a:r>
+            <a:r>
+              <a:rPr b="0" lang="en-GB" sz="4400" spc="-1" strike="noStrike">
+                <a:latin typeface="Arial"/>
+              </a:rPr>
+              <a:t>e</a:t>
+            </a:r>
+            <a:r>
+              <a:rPr b="0" lang="en-GB" sz="4400" spc="-1" strike="noStrike">
+                <a:latin typeface="Arial"/>
+              </a:rPr>
+              <a:t>x</a:t>
+            </a:r>
+            <a:r>
+              <a:rPr b="0" lang="en-GB" sz="4400" spc="-1" strike="noStrike">
+                <a:latin typeface="Arial"/>
+              </a:rPr>
+              <a:t>t </a:t>
+            </a:r>
+            <a:r>
+              <a:rPr b="0" lang="en-GB" sz="4400" spc="-1" strike="noStrike">
+                <a:latin typeface="Arial"/>
+              </a:rPr>
+              <a:t>f</a:t>
+            </a:r>
+            <a:r>
+              <a:rPr b="0" lang="en-GB" sz="4400" spc="-1" strike="noStrike">
+                <a:latin typeface="Arial"/>
+              </a:rPr>
+              <a:t>o</a:t>
+            </a:r>
+            <a:r>
+              <a:rPr b="0" lang="en-GB" sz="4400" spc="-1" strike="noStrike">
+                <a:latin typeface="Arial"/>
+              </a:rPr>
+              <a:t>r</a:t>
+            </a:r>
+            <a:r>
+              <a:rPr b="0" lang="en-GB" sz="4400" spc="-1" strike="noStrike">
+                <a:latin typeface="Arial"/>
+              </a:rPr>
+              <a:t>m</a:t>
+            </a:r>
+            <a:r>
+              <a:rPr b="0" lang="en-GB" sz="4400" spc="-1" strike="noStrike">
+                <a:latin typeface="Arial"/>
+              </a:rPr>
+              <a:t>a</a:t>
+            </a:r>
+            <a:r>
+              <a:rPr b="0" lang="en-GB" sz="4400" spc="-1" strike="noStrike">
+                <a:latin typeface="Arial"/>
+              </a:rPr>
+              <a:t>t</a:t>
             </a:r>
             <a:endParaRPr b="0" lang="en-GB" sz="4400" spc="-1" strike="noStrike">
               <a:latin typeface="Arial"/>
@@ -4426,7 +4613,7 @@
           </a:bodyPr>
           <a:p>
             <a:pPr algn="r"/>
-            <a:fld id="{2F4FFAF6-228A-426F-9819-DFEEF4F1E913}" type="slidenum">
+            <a:fld id="{05AE4ED1-E901-4B0E-AB53-F45E55E0C075}" type="slidenum">
               <a:rPr b="0" lang="en-GB" sz="1400" spc="-1" strike="noStrike">
                 <a:latin typeface="Times New Roman"/>
               </a:rPr>
@@ -4511,7 +4698,199 @@
               <a:rPr b="0" lang="en-GB" sz="4400" spc="-1" strike="noStrike">
                 <a:latin typeface="Arial"/>
               </a:rPr>
-              <a:t>Click to edit the title text format</a:t>
+              <a:t>C</a:t>
+            </a:r>
+            <a:r>
+              <a:rPr b="0" lang="en-GB" sz="4400" spc="-1" strike="noStrike">
+                <a:latin typeface="Arial"/>
+              </a:rPr>
+              <a:t>l</a:t>
+            </a:r>
+            <a:r>
+              <a:rPr b="0" lang="en-GB" sz="4400" spc="-1" strike="noStrike">
+                <a:latin typeface="Arial"/>
+              </a:rPr>
+              <a:t>i</a:t>
+            </a:r>
+            <a:r>
+              <a:rPr b="0" lang="en-GB" sz="4400" spc="-1" strike="noStrike">
+                <a:latin typeface="Arial"/>
+              </a:rPr>
+              <a:t>c</a:t>
+            </a:r>
+            <a:r>
+              <a:rPr b="0" lang="en-GB" sz="4400" spc="-1" strike="noStrike">
+                <a:latin typeface="Arial"/>
+              </a:rPr>
+              <a:t>k</a:t>
+            </a:r>
+            <a:r>
+              <a:rPr b="0" lang="en-GB" sz="4400" spc="-1" strike="noStrike">
+                <a:latin typeface="Arial"/>
+              </a:rPr>
+              <a:t> </a:t>
+            </a:r>
+            <a:r>
+              <a:rPr b="0" lang="en-GB" sz="4400" spc="-1" strike="noStrike">
+                <a:latin typeface="Arial"/>
+              </a:rPr>
+              <a:t>t</a:t>
+            </a:r>
+            <a:r>
+              <a:rPr b="0" lang="en-GB" sz="4400" spc="-1" strike="noStrike">
+                <a:latin typeface="Arial"/>
+              </a:rPr>
+              <a:t>o</a:t>
+            </a:r>
+            <a:r>
+              <a:rPr b="0" lang="en-GB" sz="4400" spc="-1" strike="noStrike">
+                <a:latin typeface="Arial"/>
+              </a:rPr>
+              <a:t> </a:t>
+            </a:r>
+            <a:r>
+              <a:rPr b="0" lang="en-GB" sz="4400" spc="-1" strike="noStrike">
+                <a:latin typeface="Arial"/>
+              </a:rPr>
+              <a:t>e</a:t>
+            </a:r>
+            <a:r>
+              <a:rPr b="0" lang="en-GB" sz="4400" spc="-1" strike="noStrike">
+                <a:latin typeface="Arial"/>
+              </a:rPr>
+              <a:t>d</a:t>
+            </a:r>
+            <a:r>
+              <a:rPr b="0" lang="en-GB" sz="4400" spc="-1" strike="noStrike">
+                <a:latin typeface="Arial"/>
+              </a:rPr>
+              <a:t>i</a:t>
+            </a:r>
+            <a:r>
+              <a:rPr b="0" lang="en-GB" sz="4400" spc="-1" strike="noStrike">
+                <a:latin typeface="Arial"/>
+              </a:rPr>
+              <a:t>t </a:t>
+            </a:r>
+            <a:r>
+              <a:rPr b="0" lang="en-GB" sz="4400" spc="-1" strike="noStrike">
+                <a:latin typeface="Arial"/>
+              </a:rPr>
+              <a:t>t</a:t>
+            </a:r>
+            <a:r>
+              <a:rPr b="0" lang="en-GB" sz="4400" spc="-1" strike="noStrike">
+                <a:latin typeface="Arial"/>
+              </a:rPr>
+              <a:t>h</a:t>
+            </a:r>
+            <a:r>
+              <a:rPr b="0" lang="en-GB" sz="4400" spc="-1" strike="noStrike">
+                <a:latin typeface="Arial"/>
+              </a:rPr>
+              <a:t>e</a:t>
+            </a:r>
+            <a:r>
+              <a:rPr b="0" lang="en-GB" sz="4400" spc="-1" strike="noStrike">
+                <a:latin typeface="Arial"/>
+              </a:rPr>
+              <a:t> </a:t>
+            </a:r>
+            <a:r>
+              <a:rPr b="0" lang="en-GB" sz="4400" spc="-1" strike="noStrike">
+                <a:latin typeface="Arial"/>
+              </a:rPr>
+              <a:t>t</a:t>
+            </a:r>
+            <a:r>
+              <a:rPr b="0" lang="en-GB" sz="4400" spc="-1" strike="noStrike">
+                <a:latin typeface="Arial"/>
+              </a:rPr>
+              <a:t>i</a:t>
+            </a:r>
+            <a:r>
+              <a:rPr b="0" lang="en-GB" sz="4400" spc="-1" strike="noStrike">
+                <a:latin typeface="Arial"/>
+              </a:rPr>
+              <a:t>t</a:t>
+            </a:r>
+            <a:r>
+              <a:rPr b="0" lang="en-GB" sz="4400" spc="-1" strike="noStrike">
+                <a:latin typeface="Arial"/>
+              </a:rPr>
+              <a:t>l</a:t>
+            </a:r>
+            <a:r>
+              <a:rPr b="0" lang="en-GB" sz="4400" spc="-1" strike="noStrike">
+                <a:latin typeface="Arial"/>
+              </a:rPr>
+              <a:t>e</a:t>
+            </a:r>
+            <a:r>
+              <a:rPr b="0" lang="en-GB" sz="4400" spc="-1" strike="noStrike">
+                <a:latin typeface="Arial"/>
+              </a:rPr>
+              <a:t> </a:t>
+            </a:r>
+            <a:r>
+              <a:rPr b="0" lang="en-GB" sz="4400" spc="-1" strike="noStrike">
+                <a:latin typeface="Arial"/>
+              </a:rPr>
+              <a:t>t</a:t>
+            </a:r>
+            <a:r>
+              <a:rPr b="0" lang="en-GB" sz="4400" spc="-1" strike="noStrike">
+                <a:latin typeface="Arial"/>
+              </a:rPr>
+              <a:t>e</a:t>
+            </a:r>
+            <a:r>
+              <a:rPr b="0" lang="en-GB" sz="4400" spc="-1" strike="noStrike">
+                <a:latin typeface="Arial"/>
+              </a:rPr>
+              <a:t>x</a:t>
+            </a:r>
+            <a:r>
+              <a:rPr b="0" lang="en-GB" sz="4400" spc="-1" strike="noStrike">
+                <a:latin typeface="Arial"/>
+              </a:rPr>
+              <a:t>t </a:t>
+            </a:r>
+            <a:r>
+              <a:rPr b="0" lang="en-GB" sz="4400" spc="-1" strike="noStrike">
+                <a:latin typeface="Arial"/>
+              </a:rPr>
+              <a:t>f</a:t>
+            </a:r>
+            <a:r>
+              <a:rPr b="0" lang="en-GB" sz="4400" spc="-1" strike="noStrike">
+                <a:latin typeface="Arial"/>
+              </a:rPr>
+              <a:t>o</a:t>
+            </a:r>
+            <a:r>
+              <a:rPr b="0" lang="en-GB" sz="4400" spc="-1" strike="noStrike">
+                <a:latin typeface="Arial"/>
+              </a:rPr>
+              <a:t>r</a:t>
+            </a:r>
+            <a:r>
+              <a:rPr b="0" lang="en-GB" sz="4400" spc="-1" strike="noStrike">
+                <a:latin typeface="Arial"/>
+              </a:rPr>
+              <a:t>m</a:t>
+            </a:r>
+            <a:r>
+              <a:rPr b="0" lang="en-GB" sz="4400" spc="-1" strike="noStrike">
+                <a:latin typeface="Arial"/>
+              </a:rPr>
+              <a:t>a</a:t>
+            </a:r>
+            <a:r>
+              <a:rPr b="0" lang="en-GB" sz="4400" spc="-1" strike="noStrike">
+                <a:latin typeface="Arial"/>
+              </a:rPr>
+              <a:t>t</a:t>
             </a:r>
             <a:endParaRPr b="0" lang="en-GB" sz="4400" spc="-1" strike="noStrike">
               <a:latin typeface="Arial"/>
@@ -4771,7 +5150,199 @@
               <a:rPr b="0" lang="en-GB" sz="4400" spc="-1" strike="noStrike">
                 <a:latin typeface="Arial"/>
               </a:rPr>
-              <a:t>Click to edit the title text format</a:t>
+              <a:t>C</a:t>
+            </a:r>
+            <a:r>
+              <a:rPr b="0" lang="en-GB" sz="4400" spc="-1" strike="noStrike">
+                <a:latin typeface="Arial"/>
+              </a:rPr>
+              <a:t>l</a:t>
+            </a:r>
+            <a:r>
+              <a:rPr b="0" lang="en-GB" sz="4400" spc="-1" strike="noStrike">
+                <a:latin typeface="Arial"/>
+              </a:rPr>
+              <a:t>i</a:t>
+            </a:r>
+            <a:r>
+              <a:rPr b="0" lang="en-GB" sz="4400" spc="-1" strike="noStrike">
+                <a:latin typeface="Arial"/>
+              </a:rPr>
+              <a:t>c</a:t>
+            </a:r>
+            <a:r>
+              <a:rPr b="0" lang="en-GB" sz="4400" spc="-1" strike="noStrike">
+                <a:latin typeface="Arial"/>
+              </a:rPr>
+              <a:t>k</a:t>
+            </a:r>
+            <a:r>
+              <a:rPr b="0" lang="en-GB" sz="4400" spc="-1" strike="noStrike">
+                <a:latin typeface="Arial"/>
+              </a:rPr>
+              <a:t> </a:t>
+            </a:r>
+            <a:r>
+              <a:rPr b="0" lang="en-GB" sz="4400" spc="-1" strike="noStrike">
+                <a:latin typeface="Arial"/>
+              </a:rPr>
+              <a:t>t</a:t>
+            </a:r>
+            <a:r>
+              <a:rPr b="0" lang="en-GB" sz="4400" spc="-1" strike="noStrike">
+                <a:latin typeface="Arial"/>
+              </a:rPr>
+              <a:t>o</a:t>
+            </a:r>
+            <a:r>
+              <a:rPr b="0" lang="en-GB" sz="4400" spc="-1" strike="noStrike">
+                <a:latin typeface="Arial"/>
+              </a:rPr>
+              <a:t> </a:t>
+            </a:r>
+            <a:r>
+              <a:rPr b="0" lang="en-GB" sz="4400" spc="-1" strike="noStrike">
+                <a:latin typeface="Arial"/>
+              </a:rPr>
+              <a:t>e</a:t>
+            </a:r>
+            <a:r>
+              <a:rPr b="0" lang="en-GB" sz="4400" spc="-1" strike="noStrike">
+                <a:latin typeface="Arial"/>
+              </a:rPr>
+              <a:t>d</a:t>
+            </a:r>
+            <a:r>
+              <a:rPr b="0" lang="en-GB" sz="4400" spc="-1" strike="noStrike">
+                <a:latin typeface="Arial"/>
+              </a:rPr>
+              <a:t>i</a:t>
+            </a:r>
+            <a:r>
+              <a:rPr b="0" lang="en-GB" sz="4400" spc="-1" strike="noStrike">
+                <a:latin typeface="Arial"/>
+              </a:rPr>
+              <a:t>t </a:t>
+            </a:r>
+            <a:r>
+              <a:rPr b="0" lang="en-GB" sz="4400" spc="-1" strike="noStrike">
+                <a:latin typeface="Arial"/>
+              </a:rPr>
+              <a:t>t</a:t>
+            </a:r>
+            <a:r>
+              <a:rPr b="0" lang="en-GB" sz="4400" spc="-1" strike="noStrike">
+                <a:latin typeface="Arial"/>
+              </a:rPr>
+              <a:t>h</a:t>
+            </a:r>
+            <a:r>
+              <a:rPr b="0" lang="en-GB" sz="4400" spc="-1" strike="noStrike">
+                <a:latin typeface="Arial"/>
+              </a:rPr>
+              <a:t>e</a:t>
+            </a:r>
+            <a:r>
+              <a:rPr b="0" lang="en-GB" sz="4400" spc="-1" strike="noStrike">
+                <a:latin typeface="Arial"/>
+              </a:rPr>
+              <a:t> </a:t>
+            </a:r>
+            <a:r>
+              <a:rPr b="0" lang="en-GB" sz="4400" spc="-1" strike="noStrike">
+                <a:latin typeface="Arial"/>
+              </a:rPr>
+              <a:t>t</a:t>
+            </a:r>
+            <a:r>
+              <a:rPr b="0" lang="en-GB" sz="4400" spc="-1" strike="noStrike">
+                <a:latin typeface="Arial"/>
+              </a:rPr>
+              <a:t>i</a:t>
+            </a:r>
+            <a:r>
+              <a:rPr b="0" lang="en-GB" sz="4400" spc="-1" strike="noStrike">
+                <a:latin typeface="Arial"/>
+              </a:rPr>
+              <a:t>t</a:t>
+            </a:r>
+            <a:r>
+              <a:rPr b="0" lang="en-GB" sz="4400" spc="-1" strike="noStrike">
+                <a:latin typeface="Arial"/>
+              </a:rPr>
+              <a:t>l</a:t>
+            </a:r>
+            <a:r>
+              <a:rPr b="0" lang="en-GB" sz="4400" spc="-1" strike="noStrike">
+                <a:latin typeface="Arial"/>
+              </a:rPr>
+              <a:t>e</a:t>
+            </a:r>
+            <a:r>
+              <a:rPr b="0" lang="en-GB" sz="4400" spc="-1" strike="noStrike">
+                <a:latin typeface="Arial"/>
+              </a:rPr>
+              <a:t> </a:t>
+            </a:r>
+            <a:r>
+              <a:rPr b="0" lang="en-GB" sz="4400" spc="-1" strike="noStrike">
+                <a:latin typeface="Arial"/>
+              </a:rPr>
+              <a:t>t</a:t>
+            </a:r>
+            <a:r>
+              <a:rPr b="0" lang="en-GB" sz="4400" spc="-1" strike="noStrike">
+                <a:latin typeface="Arial"/>
+              </a:rPr>
+              <a:t>e</a:t>
+            </a:r>
+            <a:r>
+              <a:rPr b="0" lang="en-GB" sz="4400" spc="-1" strike="noStrike">
+                <a:latin typeface="Arial"/>
+              </a:rPr>
+              <a:t>x</a:t>
+            </a:r>
+            <a:r>
+              <a:rPr b="0" lang="en-GB" sz="4400" spc="-1" strike="noStrike">
+                <a:latin typeface="Arial"/>
+              </a:rPr>
+              <a:t>t </a:t>
+            </a:r>
+            <a:r>
+              <a:rPr b="0" lang="en-GB" sz="4400" spc="-1" strike="noStrike">
+                <a:latin typeface="Arial"/>
+              </a:rPr>
+              <a:t>f</a:t>
+            </a:r>
+            <a:r>
+              <a:rPr b="0" lang="en-GB" sz="4400" spc="-1" strike="noStrike">
+                <a:latin typeface="Arial"/>
+              </a:rPr>
+              <a:t>o</a:t>
+            </a:r>
+            <a:r>
+              <a:rPr b="0" lang="en-GB" sz="4400" spc="-1" strike="noStrike">
+                <a:latin typeface="Arial"/>
+              </a:rPr>
+              <a:t>r</a:t>
+            </a:r>
+            <a:r>
+              <a:rPr b="0" lang="en-GB" sz="4400" spc="-1" strike="noStrike">
+                <a:latin typeface="Arial"/>
+              </a:rPr>
+              <a:t>m</a:t>
+            </a:r>
+            <a:r>
+              <a:rPr b="0" lang="en-GB" sz="4400" spc="-1" strike="noStrike">
+                <a:latin typeface="Arial"/>
+              </a:rPr>
+              <a:t>a</a:t>
+            </a:r>
+            <a:r>
+              <a:rPr b="0" lang="en-GB" sz="4400" spc="-1" strike="noStrike">
+                <a:latin typeface="Arial"/>
+              </a:rPr>
+              <a:t>t</a:t>
             </a:r>
             <a:endParaRPr b="0" lang="en-GB" sz="4400" spc="-1" strike="noStrike">
               <a:latin typeface="Arial"/>
@@ -7804,33 +8375,44 @@
           </a:p>
         </p:txBody>
       </p:sp>
-      <p:pic>
-        <p:nvPicPr>
-          <p:cNvPr id="126" name="Picture 1_0" descr=""/>
-          <p:cNvPicPr/>
+      <p:sp>
+        <p:nvSpPr>
+          <p:cNvPr id="126" name="TextShape 2"/>
+          <p:cNvSpPr txBox="1"/>
           <p:nvPr/>
-        </p:nvPicPr>
-        <p:blipFill>
-          <a:blip r:embed="rId1"/>
-          <a:srcRect l="0" t="670" r="0" b="0"/>
-          <a:stretch/>
-        </p:blipFill>
-        <p:spPr>
-          <a:xfrm>
-            <a:off x="1080" y="28440"/>
+        </p:nvSpPr>
+        <p:spPr>
+          <a:xfrm>
+            <a:off x="1080" y="64440"/>
             <a:ext cx="5692320" cy="5627160"/>
           </a:xfrm>
           <a:prstGeom prst="rect">
             <a:avLst/>
           </a:prstGeom>
+          <a:blipFill rotWithShape="0">
+            <a:blip r:embed="rId1"/>
+            <a:srcRect l="0" t="670" r="0" b="0"/>
+            <a:stretch/>
+          </a:blipFill>
           <a:ln w="0">
             <a:noFill/>
           </a:ln>
         </p:spPr>
-      </p:pic>
-      <p:sp>
-        <p:nvSpPr>
-          <p:cNvPr id="127" name="CustomShape 2"/>
+        <p:txBody>
+          <a:bodyPr lIns="90000" rIns="90000" tIns="45000" bIns="45000" anchorCtr="1">
+            <a:noAutofit/>
+          </a:bodyPr>
+          <a:p>
+            <a:br/>
+            <a:endParaRPr b="0" lang="en-GB" sz="1800" spc="-1" strike="noStrike">
+              <a:latin typeface="Arial"/>
+            </a:endParaRPr>
+          </a:p>
+        </p:txBody>
+      </p:sp>
+      <p:sp>
+        <p:nvSpPr>
+          <p:cNvPr id="127" name="CustomShape 3"/>
           <p:cNvSpPr/>
           <p:nvPr/>
         </p:nvSpPr>
@@ -7901,6 +8483,4772 @@
               <a:t>https://github.com/CPMpy/cpmpy</a:t>
             </a:r>
             <a:endParaRPr b="0" lang="en-GB" sz="1800" spc="-1" strike="noStrike">
+              <a:latin typeface="Arial"/>
+            </a:endParaRPr>
+          </a:p>
+        </p:txBody>
+      </p:sp>
+    </p:spTree>
+  </p:cSld>
+  <mc:AlternateContent>
+    <mc:Choice Requires="p14">
+      <p:transition spd="slow" p14:dur="2000"/>
+    </mc:Choice>
+    <mc:Fallback>
+      <p:transition spd="slow"/>
+    </mc:Fallback>
+  </mc:AlternateContent>
+</p:sld>
+</file>
+
+<file path=ppt/slides/slide3.xml><?xml version="1.0" encoding="utf-8"?>
+<p:sld xmlns:a="http://schemas.openxmlformats.org/drawingml/2006/main" xmlns:p="http://schemas.openxmlformats.org/presentationml/2006/main" xmlns:r="http://schemas.openxmlformats.org/officeDocument/2006/relationships" xmlns:p14="http://schemas.microsoft.com/office/powerpoint/2010/main" xmlns:p15="http://schemas.microsoft.com/office/powerpoint/2012/main" xmlns:mc="http://schemas.openxmlformats.org/markup-compatibility/2006">
+  <p:cSld>
+    <p:spTree>
+      <p:nvGrpSpPr>
+        <p:cNvPr id="1" name=""/>
+        <p:cNvGrpSpPr/>
+        <p:nvPr/>
+      </p:nvGrpSpPr>
+      <p:grpSpPr>
+        <a:xfrm>
+          <a:off x="0" y="0"/>
+          <a:ext cx="0" cy="0"/>
+          <a:chOff x="0" y="0"/>
+          <a:chExt cx="0" cy="0"/>
+        </a:xfrm>
+      </p:grpSpPr>
+      <p:pic>
+        <p:nvPicPr>
+          <p:cNvPr id="128" name="Picture 3" descr="A red oval with a black background&#10;&#10;Description automatically generated"/>
+          <p:cNvPicPr/>
+          <p:nvPr/>
+        </p:nvPicPr>
+        <p:blipFill>
+          <a:blip r:embed="rId1">
+            <a:lum bright="-3000"/>
+          </a:blip>
+          <a:stretch/>
+        </p:blipFill>
+        <p:spPr>
+          <a:xfrm>
+            <a:off x="2062080" y="360000"/>
+            <a:ext cx="6037920" cy="4880880"/>
+          </a:xfrm>
+          <a:prstGeom prst="rect">
+            <a:avLst/>
+          </a:prstGeom>
+          <a:ln w="0">
+            <a:noFill/>
+          </a:ln>
+        </p:spPr>
+      </p:pic>
+      <p:sp>
+        <p:nvSpPr>
+          <p:cNvPr id="129" name="CustomShape 1"/>
+          <p:cNvSpPr/>
+          <p:nvPr/>
+        </p:nvSpPr>
+        <p:spPr>
+          <a:xfrm>
+            <a:off x="2600280" y="1555560"/>
+            <a:ext cx="4965120" cy="2100600"/>
+          </a:xfrm>
+          <a:prstGeom prst="rect">
+            <a:avLst/>
+          </a:prstGeom>
+          <a:noFill/>
+          <a:ln w="0">
+            <a:noFill/>
+          </a:ln>
+        </p:spPr>
+        <p:style>
+          <a:lnRef idx="0"/>
+          <a:fillRef idx="0"/>
+          <a:effectRef idx="0"/>
+          <a:fontRef idx="minor"/>
+        </p:style>
+        <p:txBody>
+          <a:bodyPr wrap="none" lIns="90000" rIns="90000" tIns="45000" bIns="45000">
+            <a:spAutoFit/>
+          </a:bodyPr>
+          <a:p>
+            <a:pPr algn="ctr">
+              <a:lnSpc>
+                <a:spcPct val="100000"/>
+              </a:lnSpc>
+            </a:pPr>
+            <a:r>
+              <a:rPr b="0" lang="fr-FR" sz="6600" spc="-1" strike="noStrike">
+                <a:solidFill>
+                  <a:srgbClr val="ffffff"/>
+                </a:solidFill>
+                <a:latin typeface="Aptos"/>
+              </a:rPr>
+              <a:t>All</a:t>
+            </a:r>
+            <a:br/>
+            <a:r>
+              <a:rPr b="0" lang="fr-FR" sz="6600" spc="-1" strike="noStrike">
+                <a:solidFill>
+                  <a:srgbClr val="ffffff"/>
+                </a:solidFill>
+                <a:latin typeface="Aptos"/>
+              </a:rPr>
+              <a:t>Constraints</a:t>
+            </a:r>
+            <a:endParaRPr b="0" lang="en-GB" sz="6600" spc="-1" strike="noStrike">
+              <a:latin typeface="Arial"/>
+            </a:endParaRPr>
+          </a:p>
+        </p:txBody>
+      </p:sp>
+    </p:spTree>
+  </p:cSld>
+  <mc:AlternateContent>
+    <mc:Choice Requires="p14">
+      <p:transition spd="slow" p14:dur="2000"/>
+    </mc:Choice>
+    <mc:Fallback>
+      <p:transition spd="slow"/>
+    </mc:Fallback>
+  </mc:AlternateContent>
+</p:sld>
+</file>
+
+<file path=ppt/slides/slide4.xml><?xml version="1.0" encoding="utf-8"?>
+<p:sld xmlns:a="http://schemas.openxmlformats.org/drawingml/2006/main" xmlns:p="http://schemas.openxmlformats.org/presentationml/2006/main" xmlns:r="http://schemas.openxmlformats.org/officeDocument/2006/relationships" xmlns:p14="http://schemas.microsoft.com/office/powerpoint/2010/main" xmlns:p15="http://schemas.microsoft.com/office/powerpoint/2012/main" xmlns:mc="http://schemas.openxmlformats.org/markup-compatibility/2006">
+  <p:cSld>
+    <p:spTree>
+      <p:nvGrpSpPr>
+        <p:cNvPr id="1" name=""/>
+        <p:cNvGrpSpPr/>
+        <p:nvPr/>
+      </p:nvGrpSpPr>
+      <p:grpSpPr>
+        <a:xfrm>
+          <a:off x="0" y="0"/>
+          <a:ext cx="0" cy="0"/>
+          <a:chOff x="0" y="0"/>
+          <a:chExt cx="0" cy="0"/>
+        </a:xfrm>
+      </p:grpSpPr>
+      <p:pic>
+        <p:nvPicPr>
+          <p:cNvPr id="130" name="" descr=""/>
+          <p:cNvPicPr/>
+          <p:nvPr/>
+        </p:nvPicPr>
+        <p:blipFill>
+          <a:blip r:embed="rId1"/>
+          <a:stretch/>
+        </p:blipFill>
+        <p:spPr>
+          <a:xfrm>
+            <a:off x="180000" y="1080000"/>
+            <a:ext cx="7905240" cy="3323880"/>
+          </a:xfrm>
+          <a:prstGeom prst="rect">
+            <a:avLst/>
+          </a:prstGeom>
+          <a:ln w="0">
+            <a:noFill/>
+          </a:ln>
+        </p:spPr>
+      </p:pic>
+      <p:sp>
+        <p:nvSpPr>
+          <p:cNvPr id="131" name="TextShape 1"/>
+          <p:cNvSpPr txBox="1"/>
+          <p:nvPr/>
+        </p:nvSpPr>
+        <p:spPr>
+          <a:xfrm>
+            <a:off x="5940000" y="709200"/>
+            <a:ext cx="3638520" cy="346320"/>
+          </a:xfrm>
+          <a:prstGeom prst="rect">
+            <a:avLst/>
+          </a:prstGeom>
+          <a:noFill/>
+          <a:ln w="0">
+            <a:noFill/>
+          </a:ln>
+        </p:spPr>
+        <p:txBody>
+          <a:bodyPr lIns="90000" rIns="90000" tIns="45000" bIns="45000">
+            <a:noAutofit/>
+          </a:bodyPr>
+          <a:p>
+            <a:r>
+              <a:rPr b="0" lang="en-GB" sz="1800" spc="-1" strike="noStrike">
+                <a:solidFill>
+                  <a:srgbClr val="800080"/>
+                </a:solidFill>
+                <a:latin typeface="Arial"/>
+              </a:rPr>
+              <a:t>1) Add Boolean indicator variables</a:t>
+            </a:r>
+            <a:endParaRPr b="0" lang="en-GB" sz="1800" spc="-1" strike="noStrike">
+              <a:solidFill>
+                <a:srgbClr val="800080"/>
+              </a:solidFill>
+              <a:latin typeface="Arial"/>
+            </a:endParaRPr>
+          </a:p>
+        </p:txBody>
+      </p:sp>
+      <p:sp>
+        <p:nvSpPr>
+          <p:cNvPr id="132" name="TextShape 2"/>
+          <p:cNvSpPr txBox="1"/>
+          <p:nvPr/>
+        </p:nvSpPr>
+        <p:spPr>
+          <a:xfrm>
+            <a:off x="5940000" y="2029680"/>
+            <a:ext cx="3327840" cy="346320"/>
+          </a:xfrm>
+          <a:prstGeom prst="rect">
+            <a:avLst/>
+          </a:prstGeom>
+          <a:noFill/>
+          <a:ln w="0">
+            <a:noFill/>
+          </a:ln>
+        </p:spPr>
+        <p:txBody>
+          <a:bodyPr lIns="90000" rIns="90000" tIns="45000" bIns="45000">
+            <a:noAutofit/>
+          </a:bodyPr>
+          <a:p>
+            <a:r>
+              <a:rPr b="0" lang="en-GB" sz="1800" spc="-1" strike="noStrike">
+                <a:solidFill>
+                  <a:srgbClr val="800080"/>
+                </a:solidFill>
+                <a:latin typeface="Arial"/>
+              </a:rPr>
+              <a:t>2) Assume they are set to ‘true’</a:t>
+            </a:r>
+            <a:endParaRPr b="0" lang="en-GB" sz="1800" spc="-1" strike="noStrike">
+              <a:solidFill>
+                <a:srgbClr val="800080"/>
+              </a:solidFill>
+              <a:latin typeface="Arial"/>
+            </a:endParaRPr>
+          </a:p>
+        </p:txBody>
+      </p:sp>
+      <p:sp>
+        <p:nvSpPr>
+          <p:cNvPr id="133" name="TextShape 3"/>
+          <p:cNvSpPr txBox="1"/>
+          <p:nvPr/>
+        </p:nvSpPr>
+        <p:spPr>
+          <a:xfrm>
+            <a:off x="5940000" y="2916000"/>
+            <a:ext cx="4027320" cy="346320"/>
+          </a:xfrm>
+          <a:prstGeom prst="rect">
+            <a:avLst/>
+          </a:prstGeom>
+          <a:noFill/>
+          <a:ln w="0">
+            <a:noFill/>
+          </a:ln>
+        </p:spPr>
+        <p:txBody>
+          <a:bodyPr lIns="90000" rIns="90000" tIns="45000" bIns="45000">
+            <a:noAutofit/>
+          </a:bodyPr>
+          <a:p>
+            <a:r>
+              <a:rPr b="0" lang="en-GB" sz="1800" spc="-1" strike="noStrike">
+                <a:solidFill>
+                  <a:srgbClr val="800080"/>
+                </a:solidFill>
+                <a:latin typeface="Arial"/>
+              </a:rPr>
+              <a:t>3) Extract an unsat subset from solver</a:t>
+            </a:r>
+            <a:endParaRPr b="0" lang="en-GB" sz="1800" spc="-1" strike="noStrike">
+              <a:solidFill>
+                <a:srgbClr val="800080"/>
+              </a:solidFill>
+              <a:latin typeface="Arial"/>
+            </a:endParaRPr>
+          </a:p>
+        </p:txBody>
+      </p:sp>
+      <p:sp>
+        <p:nvSpPr>
+          <p:cNvPr id="134" name="TextShape 4"/>
+          <p:cNvSpPr txBox="1"/>
+          <p:nvPr/>
+        </p:nvSpPr>
+        <p:spPr>
+          <a:xfrm>
+            <a:off x="5940000" y="3816000"/>
+            <a:ext cx="3780000" cy="602280"/>
+          </a:xfrm>
+          <a:prstGeom prst="rect">
+            <a:avLst/>
+          </a:prstGeom>
+          <a:noFill/>
+          <a:ln w="0">
+            <a:noFill/>
+          </a:ln>
+        </p:spPr>
+        <p:txBody>
+          <a:bodyPr lIns="90000" rIns="90000" tIns="45000" bIns="45000">
+            <a:noAutofit/>
+          </a:bodyPr>
+          <a:p>
+            <a:r>
+              <a:rPr b="0" lang="en-GB" sz="1800" spc="-1" strike="noStrike">
+                <a:solidFill>
+                  <a:srgbClr val="800080"/>
+                </a:solidFill>
+                <a:latin typeface="Arial"/>
+              </a:rPr>
+              <a:t>4) Incrementally solve diff. subsets</a:t>
+            </a:r>
+            <a:endParaRPr b="0" lang="en-GB" sz="1800" spc="-1" strike="noStrike">
+              <a:solidFill>
+                <a:srgbClr val="800080"/>
+              </a:solidFill>
+              <a:latin typeface="Arial"/>
+            </a:endParaRPr>
+          </a:p>
+        </p:txBody>
+      </p:sp>
+      <p:sp>
+        <p:nvSpPr>
+          <p:cNvPr id="135" name="Line 5"/>
+          <p:cNvSpPr/>
+          <p:nvPr/>
+        </p:nvSpPr>
+        <p:spPr>
+          <a:xfrm flipH="1">
+            <a:off x="2889000" y="920880"/>
+            <a:ext cx="3111480" cy="952200"/>
+          </a:xfrm>
+          <a:prstGeom prst="line">
+            <a:avLst/>
+          </a:prstGeom>
+          <a:ln w="38160">
+            <a:solidFill>
+              <a:srgbClr val="800080"/>
+            </a:solidFill>
+            <a:round/>
+            <a:tailEnd len="med" type="triangle" w="med"/>
+          </a:ln>
+        </p:spPr>
+        <p:style>
+          <a:lnRef idx="0"/>
+          <a:fillRef idx="0"/>
+          <a:effectRef idx="0"/>
+          <a:fontRef idx="minor"/>
+        </p:style>
+      </p:sp>
+      <p:sp>
+        <p:nvSpPr>
+          <p:cNvPr id="136" name="Line 6"/>
+          <p:cNvSpPr/>
+          <p:nvPr/>
+        </p:nvSpPr>
+        <p:spPr>
+          <a:xfrm flipH="1">
+            <a:off x="2968560" y="2206800"/>
+            <a:ext cx="3000240" cy="237960"/>
+          </a:xfrm>
+          <a:prstGeom prst="line">
+            <a:avLst/>
+          </a:prstGeom>
+          <a:ln w="38160">
+            <a:solidFill>
+              <a:srgbClr val="800080"/>
+            </a:solidFill>
+            <a:round/>
+            <a:tailEnd len="med" type="triangle" w="med"/>
+          </a:ln>
+        </p:spPr>
+        <p:style>
+          <a:lnRef idx="0"/>
+          <a:fillRef idx="0"/>
+          <a:effectRef idx="0"/>
+          <a:fontRef idx="minor"/>
+        </p:style>
+      </p:sp>
+      <p:sp>
+        <p:nvSpPr>
+          <p:cNvPr id="137" name="Line 7"/>
+          <p:cNvSpPr/>
+          <p:nvPr/>
+        </p:nvSpPr>
+        <p:spPr>
+          <a:xfrm flipH="1" flipV="1">
+            <a:off x="2269800" y="2841480"/>
+            <a:ext cx="3714840" cy="222480"/>
+          </a:xfrm>
+          <a:prstGeom prst="line">
+            <a:avLst/>
+          </a:prstGeom>
+          <a:ln w="38160">
+            <a:solidFill>
+              <a:srgbClr val="800080"/>
+            </a:solidFill>
+            <a:round/>
+            <a:tailEnd len="med" type="triangle" w="med"/>
+          </a:ln>
+        </p:spPr>
+        <p:style>
+          <a:lnRef idx="0"/>
+          <a:fillRef idx="0"/>
+          <a:effectRef idx="0"/>
+          <a:fontRef idx="minor"/>
+        </p:style>
+      </p:sp>
+      <p:sp>
+        <p:nvSpPr>
+          <p:cNvPr id="138" name="Line 8"/>
+          <p:cNvSpPr/>
+          <p:nvPr/>
+        </p:nvSpPr>
+        <p:spPr>
+          <a:xfrm flipH="1" flipV="1">
+            <a:off x="3603600" y="3587760"/>
+            <a:ext cx="2336400" cy="372240"/>
+          </a:xfrm>
+          <a:prstGeom prst="line">
+            <a:avLst/>
+          </a:prstGeom>
+          <a:ln w="38160">
+            <a:solidFill>
+              <a:srgbClr val="800080"/>
+            </a:solidFill>
+            <a:round/>
+            <a:tailEnd len="med" type="triangle" w="med"/>
+          </a:ln>
+        </p:spPr>
+        <p:style>
+          <a:lnRef idx="0"/>
+          <a:fillRef idx="0"/>
+          <a:effectRef idx="0"/>
+          <a:fontRef idx="minor"/>
+        </p:style>
+      </p:sp>
+    </p:spTree>
+  </p:cSld>
+  <mc:AlternateContent>
+    <mc:Choice Requires="p14">
+      <p:transition spd="slow" p14:dur="2000"/>
+    </mc:Choice>
+    <mc:Fallback>
+      <p:transition spd="slow"/>
+    </mc:Fallback>
+  </mc:AlternateContent>
+</p:sld>
+</file>
+
+<file path=ppt/slides/slide5.xml><?xml version="1.0" encoding="utf-8"?>
+<p:sld xmlns:a="http://schemas.openxmlformats.org/drawingml/2006/main" xmlns:p="http://schemas.openxmlformats.org/presentationml/2006/main" xmlns:r="http://schemas.openxmlformats.org/officeDocument/2006/relationships" xmlns:p14="http://schemas.microsoft.com/office/powerpoint/2010/main" xmlns:p15="http://schemas.microsoft.com/office/powerpoint/2012/main" xmlns:mc="http://schemas.openxmlformats.org/markup-compatibility/2006">
+  <p:cSld>
+    <p:spTree>
+      <p:nvGrpSpPr>
+        <p:cNvPr id="1" name=""/>
+        <p:cNvGrpSpPr/>
+        <p:nvPr/>
+      </p:nvGrpSpPr>
+      <p:grpSpPr>
+        <a:xfrm>
+          <a:off x="0" y="0"/>
+          <a:ext cx="0" cy="0"/>
+          <a:chOff x="0" y="0"/>
+          <a:chExt cx="0" cy="0"/>
+        </a:xfrm>
+      </p:grpSpPr>
+      <p:pic>
+        <p:nvPicPr>
+          <p:cNvPr id="139" name="" descr=""/>
+          <p:cNvPicPr/>
+          <p:nvPr/>
+        </p:nvPicPr>
+        <p:blipFill>
+          <a:blip r:embed="rId1"/>
+          <a:stretch/>
+        </p:blipFill>
+        <p:spPr>
+          <a:xfrm>
+            <a:off x="0" y="-360000"/>
+            <a:ext cx="10731600" cy="6036120"/>
+          </a:xfrm>
+          <a:prstGeom prst="rect">
+            <a:avLst/>
+          </a:prstGeom>
+          <a:ln w="0">
+            <a:noFill/>
+          </a:ln>
+        </p:spPr>
+      </p:pic>
+      <p:sp>
+        <p:nvSpPr>
+          <p:cNvPr id="140" name="CustomShape 1"/>
+          <p:cNvSpPr/>
+          <p:nvPr/>
+        </p:nvSpPr>
+        <p:spPr>
+          <a:xfrm>
+            <a:off x="3420000" y="1620000"/>
+            <a:ext cx="6120000" cy="3780000"/>
+          </a:xfrm>
+          <a:prstGeom prst="rect">
+            <a:avLst/>
+          </a:prstGeom>
+          <a:solidFill>
+            <a:srgbClr val="ffffff"/>
+          </a:solidFill>
+          <a:ln w="0">
+            <a:noFill/>
+          </a:ln>
+        </p:spPr>
+        <p:style>
+          <a:lnRef idx="0"/>
+          <a:fillRef idx="0"/>
+          <a:effectRef idx="0"/>
+          <a:fontRef idx="minor"/>
+        </p:style>
+        <p:txBody>
+          <a:bodyPr wrap="none" lIns="90000" rIns="90000" tIns="45000" bIns="45000" anchor="ctr">
+            <a:noAutofit/>
+          </a:bodyPr>
+          <a:p>
+            <a:r>
+              <a:rPr b="0" lang="en-GB" sz="2800" spc="-1" strike="noStrike">
+                <a:solidFill>
+                  <a:srgbClr val="729fcf"/>
+                </a:solidFill>
+                <a:latin typeface="Arial"/>
+              </a:rPr>
+              <a:t>D</a:t>
+            </a:r>
+            <a:r>
+              <a:rPr b="0" lang="en-GB" sz="2800" spc="-1" strike="noStrike">
+                <a:solidFill>
+                  <a:srgbClr val="729fcf"/>
+                </a:solidFill>
+                <a:latin typeface="Arial"/>
+              </a:rPr>
+              <a:t>e</a:t>
+            </a:r>
+            <a:r>
+              <a:rPr b="0" lang="en-GB" sz="2800" spc="-1" strike="noStrike">
+                <a:solidFill>
+                  <a:srgbClr val="729fcf"/>
+                </a:solidFill>
+                <a:latin typeface="Arial"/>
+              </a:rPr>
+              <a:t>c</a:t>
+            </a:r>
+            <a:r>
+              <a:rPr b="0" lang="en-GB" sz="2800" spc="-1" strike="noStrike">
+                <a:solidFill>
+                  <a:srgbClr val="729fcf"/>
+                </a:solidFill>
+                <a:latin typeface="Arial"/>
+              </a:rPr>
+              <a:t>i</a:t>
+            </a:r>
+            <a:r>
+              <a:rPr b="0" lang="en-GB" sz="2800" spc="-1" strike="noStrike">
+                <a:solidFill>
+                  <a:srgbClr val="729fcf"/>
+                </a:solidFill>
+                <a:latin typeface="Arial"/>
+              </a:rPr>
+              <a:t>s</a:t>
+            </a:r>
+            <a:r>
+              <a:rPr b="0" lang="en-GB" sz="2800" spc="-1" strike="noStrike">
+                <a:solidFill>
+                  <a:srgbClr val="729fcf"/>
+                </a:solidFill>
+                <a:latin typeface="Arial"/>
+              </a:rPr>
+              <a:t>i</a:t>
+            </a:r>
+            <a:r>
+              <a:rPr b="0" lang="en-GB" sz="2800" spc="-1" strike="noStrike">
+                <a:solidFill>
+                  <a:srgbClr val="729fcf"/>
+                </a:solidFill>
+                <a:latin typeface="Arial"/>
+              </a:rPr>
+              <a:t>o</a:t>
+            </a:r>
+            <a:r>
+              <a:rPr b="0" lang="en-GB" sz="2800" spc="-1" strike="noStrike">
+                <a:solidFill>
+                  <a:srgbClr val="729fcf"/>
+                </a:solidFill>
+                <a:latin typeface="Arial"/>
+              </a:rPr>
+              <a:t>n</a:t>
+            </a:r>
+            <a:endParaRPr b="0" lang="en-GB" sz="2800" spc="-1" strike="noStrike">
+              <a:latin typeface="Arial"/>
+            </a:endParaRPr>
+          </a:p>
+          <a:p>
+            <a:endParaRPr b="0" lang="en-GB" sz="2800" spc="-1" strike="noStrike">
+              <a:latin typeface="Arial"/>
+            </a:endParaRPr>
+          </a:p>
+          <a:p>
+            <a:r>
+              <a:rPr b="0" lang="en-GB" sz="2800" spc="-1" strike="noStrike">
+                <a:solidFill>
+                  <a:srgbClr val="333333"/>
+                </a:solidFill>
+                <a:latin typeface="Arial"/>
+              </a:rPr>
+              <a:t>U</a:t>
+            </a:r>
+            <a:r>
+              <a:rPr b="0" lang="en-GB" sz="2800" spc="-1" strike="noStrike">
+                <a:solidFill>
+                  <a:srgbClr val="333333"/>
+                </a:solidFill>
+                <a:latin typeface="Arial"/>
+              </a:rPr>
+              <a:t>n</a:t>
+            </a:r>
+            <a:r>
+              <a:rPr b="0" lang="en-GB" sz="2800" spc="-1" strike="noStrike">
+                <a:solidFill>
+                  <a:srgbClr val="333333"/>
+                </a:solidFill>
+                <a:latin typeface="Arial"/>
+              </a:rPr>
+              <a:t>i</a:t>
+            </a:r>
+            <a:r>
+              <a:rPr b="0" lang="en-GB" sz="2800" spc="-1" strike="noStrike">
+                <a:solidFill>
+                  <a:srgbClr val="333333"/>
+                </a:solidFill>
+                <a:latin typeface="Arial"/>
+              </a:rPr>
+              <a:t>t</a:t>
+            </a:r>
+            <a:r>
+              <a:rPr b="0" lang="en-GB" sz="2800" spc="-1" strike="noStrike">
+                <a:solidFill>
+                  <a:srgbClr val="333333"/>
+                </a:solidFill>
+                <a:latin typeface="Arial"/>
+              </a:rPr>
+              <a:t> </a:t>
+            </a:r>
+            <a:r>
+              <a:rPr b="0" lang="en-GB" sz="2800" spc="-1" strike="noStrike">
+                <a:solidFill>
+                  <a:srgbClr val="333333"/>
+                </a:solidFill>
+                <a:latin typeface="Arial"/>
+              </a:rPr>
+              <a:t>p</a:t>
+            </a:r>
+            <a:r>
+              <a:rPr b="0" lang="en-GB" sz="2800" spc="-1" strike="noStrike">
+                <a:solidFill>
+                  <a:srgbClr val="333333"/>
+                </a:solidFill>
+                <a:latin typeface="Arial"/>
+              </a:rPr>
+              <a:t>r</a:t>
+            </a:r>
+            <a:r>
+              <a:rPr b="0" lang="en-GB" sz="2800" spc="-1" strike="noStrike">
+                <a:solidFill>
+                  <a:srgbClr val="333333"/>
+                </a:solidFill>
+                <a:latin typeface="Arial"/>
+              </a:rPr>
+              <a:t>o</a:t>
+            </a:r>
+            <a:r>
+              <a:rPr b="0" lang="en-GB" sz="2800" spc="-1" strike="noStrike">
+                <a:solidFill>
+                  <a:srgbClr val="333333"/>
+                </a:solidFill>
+                <a:latin typeface="Arial"/>
+              </a:rPr>
+              <a:t>p</a:t>
+            </a:r>
+            <a:r>
+              <a:rPr b="0" lang="en-GB" sz="2800" spc="-1" strike="noStrike">
+                <a:solidFill>
+                  <a:srgbClr val="333333"/>
+                </a:solidFill>
+                <a:latin typeface="Arial"/>
+              </a:rPr>
+              <a:t>a</a:t>
+            </a:r>
+            <a:r>
+              <a:rPr b="0" lang="en-GB" sz="2800" spc="-1" strike="noStrike">
+                <a:solidFill>
+                  <a:srgbClr val="333333"/>
+                </a:solidFill>
+                <a:latin typeface="Arial"/>
+              </a:rPr>
+              <a:t>g</a:t>
+            </a:r>
+            <a:r>
+              <a:rPr b="0" lang="en-GB" sz="2800" spc="-1" strike="noStrike">
+                <a:solidFill>
+                  <a:srgbClr val="333333"/>
+                </a:solidFill>
+                <a:latin typeface="Arial"/>
+              </a:rPr>
+              <a:t>a</a:t>
+            </a:r>
+            <a:r>
+              <a:rPr b="0" lang="en-GB" sz="2800" spc="-1" strike="noStrike">
+                <a:solidFill>
+                  <a:srgbClr val="333333"/>
+                </a:solidFill>
+                <a:latin typeface="Arial"/>
+              </a:rPr>
+              <a:t>t</a:t>
+            </a:r>
+            <a:r>
+              <a:rPr b="0" lang="en-GB" sz="2800" spc="-1" strike="noStrike">
+                <a:solidFill>
+                  <a:srgbClr val="333333"/>
+                </a:solidFill>
+                <a:latin typeface="Arial"/>
+              </a:rPr>
+              <a:t>i</a:t>
+            </a:r>
+            <a:r>
+              <a:rPr b="0" lang="en-GB" sz="2800" spc="-1" strike="noStrike">
+                <a:solidFill>
+                  <a:srgbClr val="333333"/>
+                </a:solidFill>
+                <a:latin typeface="Arial"/>
+              </a:rPr>
+              <a:t>o</a:t>
+            </a:r>
+            <a:r>
+              <a:rPr b="0" lang="en-GB" sz="2800" spc="-1" strike="noStrike">
+                <a:solidFill>
+                  <a:srgbClr val="333333"/>
+                </a:solidFill>
+                <a:latin typeface="Arial"/>
+              </a:rPr>
+              <a:t>n</a:t>
+            </a:r>
+            <a:endParaRPr b="0" lang="en-GB" sz="2800" spc="-1" strike="noStrike">
+              <a:latin typeface="Arial"/>
+            </a:endParaRPr>
+          </a:p>
+          <a:p>
+            <a:endParaRPr b="0" lang="en-GB" sz="2800" spc="-1" strike="noStrike">
+              <a:latin typeface="Arial"/>
+            </a:endParaRPr>
+          </a:p>
+          <a:p>
+            <a:r>
+              <a:rPr b="0" lang="en-GB" sz="2800" spc="-1" strike="noStrike">
+                <a:solidFill>
+                  <a:srgbClr val="bf819e"/>
+                </a:solidFill>
+                <a:latin typeface="Arial"/>
+              </a:rPr>
+              <a:t>C</a:t>
+            </a:r>
+            <a:r>
+              <a:rPr b="0" lang="en-GB" sz="2800" spc="-1" strike="noStrike">
+                <a:solidFill>
+                  <a:srgbClr val="bf819e"/>
+                </a:solidFill>
+                <a:latin typeface="Arial"/>
+              </a:rPr>
+              <a:t>o</a:t>
+            </a:r>
+            <a:r>
+              <a:rPr b="0" lang="en-GB" sz="2800" spc="-1" strike="noStrike">
+                <a:solidFill>
+                  <a:srgbClr val="bf819e"/>
+                </a:solidFill>
+                <a:latin typeface="Arial"/>
+              </a:rPr>
+              <a:t>n</a:t>
+            </a:r>
+            <a:r>
+              <a:rPr b="0" lang="en-GB" sz="2800" spc="-1" strike="noStrike">
+                <a:solidFill>
+                  <a:srgbClr val="bf819e"/>
+                </a:solidFill>
+                <a:latin typeface="Arial"/>
+              </a:rPr>
+              <a:t>f</a:t>
+            </a:r>
+            <a:r>
+              <a:rPr b="0" lang="en-GB" sz="2800" spc="-1" strike="noStrike">
+                <a:solidFill>
+                  <a:srgbClr val="bf819e"/>
+                </a:solidFill>
+                <a:latin typeface="Arial"/>
+              </a:rPr>
+              <a:t>l</a:t>
+            </a:r>
+            <a:r>
+              <a:rPr b="0" lang="en-GB" sz="2800" spc="-1" strike="noStrike">
+                <a:solidFill>
+                  <a:srgbClr val="bf819e"/>
+                </a:solidFill>
+                <a:latin typeface="Arial"/>
+              </a:rPr>
+              <a:t>i</a:t>
+            </a:r>
+            <a:r>
+              <a:rPr b="0" lang="en-GB" sz="2800" spc="-1" strike="noStrike">
+                <a:solidFill>
+                  <a:srgbClr val="bf819e"/>
+                </a:solidFill>
+                <a:latin typeface="Arial"/>
+              </a:rPr>
+              <a:t>c</a:t>
+            </a:r>
+            <a:r>
+              <a:rPr b="0" lang="en-GB" sz="2800" spc="-1" strike="noStrike">
+                <a:solidFill>
+                  <a:srgbClr val="bf819e"/>
+                </a:solidFill>
+                <a:latin typeface="Arial"/>
+              </a:rPr>
+              <a:t>t</a:t>
+            </a:r>
+            <a:r>
+              <a:rPr b="0" lang="en-GB" sz="2800" spc="-1" strike="noStrike">
+                <a:solidFill>
+                  <a:srgbClr val="bf819e"/>
+                </a:solidFill>
+                <a:latin typeface="Arial"/>
+              </a:rPr>
+              <a:t> </a:t>
+            </a:r>
+            <a:r>
+              <a:rPr b="0" lang="en-GB" sz="2800" spc="-1" strike="noStrike">
+                <a:solidFill>
+                  <a:srgbClr val="bf819e"/>
+                </a:solidFill>
+                <a:latin typeface="Arial"/>
+              </a:rPr>
+              <a:t>d</a:t>
+            </a:r>
+            <a:r>
+              <a:rPr b="0" lang="en-GB" sz="2800" spc="-1" strike="noStrike">
+                <a:solidFill>
+                  <a:srgbClr val="bf819e"/>
+                </a:solidFill>
+                <a:latin typeface="Arial"/>
+              </a:rPr>
+              <a:t>e</a:t>
+            </a:r>
+            <a:r>
+              <a:rPr b="0" lang="en-GB" sz="2800" spc="-1" strike="noStrike">
+                <a:solidFill>
+                  <a:srgbClr val="bf819e"/>
+                </a:solidFill>
+                <a:latin typeface="Arial"/>
+              </a:rPr>
+              <a:t>t</a:t>
+            </a:r>
+            <a:r>
+              <a:rPr b="0" lang="en-GB" sz="2800" spc="-1" strike="noStrike">
+                <a:solidFill>
+                  <a:srgbClr val="bf819e"/>
+                </a:solidFill>
+                <a:latin typeface="Arial"/>
+              </a:rPr>
+              <a:t>e</a:t>
+            </a:r>
+            <a:r>
+              <a:rPr b="0" lang="en-GB" sz="2800" spc="-1" strike="noStrike">
+                <a:solidFill>
+                  <a:srgbClr val="bf819e"/>
+                </a:solidFill>
+                <a:latin typeface="Arial"/>
+              </a:rPr>
+              <a:t>c</a:t>
+            </a:r>
+            <a:r>
+              <a:rPr b="0" lang="en-GB" sz="2800" spc="-1" strike="noStrike">
+                <a:solidFill>
+                  <a:srgbClr val="bf819e"/>
+                </a:solidFill>
+                <a:latin typeface="Arial"/>
+              </a:rPr>
+              <a:t>t</a:t>
+            </a:r>
+            <a:r>
+              <a:rPr b="0" lang="en-GB" sz="2800" spc="-1" strike="noStrike">
+                <a:solidFill>
+                  <a:srgbClr val="bf819e"/>
+                </a:solidFill>
+                <a:latin typeface="Arial"/>
+              </a:rPr>
+              <a:t>e</a:t>
+            </a:r>
+            <a:r>
+              <a:rPr b="0" lang="en-GB" sz="2800" spc="-1" strike="noStrike">
+                <a:solidFill>
+                  <a:srgbClr val="bf819e"/>
+                </a:solidFill>
+                <a:latin typeface="Arial"/>
+              </a:rPr>
+              <a:t>d</a:t>
+            </a:r>
+            <a:endParaRPr b="0" lang="en-GB" sz="2800" spc="-1" strike="noStrike">
+              <a:latin typeface="Arial"/>
+            </a:endParaRPr>
+          </a:p>
+        </p:txBody>
+      </p:sp>
+    </p:spTree>
+  </p:cSld>
+  <mc:AlternateContent>
+    <mc:Choice Requires="p14">
+      <p:transition spd="slow" p14:dur="2000"/>
+    </mc:Choice>
+    <mc:Fallback>
+      <p:transition spd="slow"/>
+    </mc:Fallback>
+  </mc:AlternateContent>
+</p:sld>
+</file>
+
+<file path=ppt/slides/slide6.xml><?xml version="1.0" encoding="utf-8"?>
+<p:sld xmlns:a="http://schemas.openxmlformats.org/drawingml/2006/main" xmlns:p="http://schemas.openxmlformats.org/presentationml/2006/main" xmlns:r="http://schemas.openxmlformats.org/officeDocument/2006/relationships" xmlns:p14="http://schemas.microsoft.com/office/powerpoint/2010/main" xmlns:p15="http://schemas.microsoft.com/office/powerpoint/2012/main" xmlns:mc="http://schemas.openxmlformats.org/markup-compatibility/2006">
+  <p:cSld>
+    <p:spTree>
+      <p:nvGrpSpPr>
+        <p:cNvPr id="1" name=""/>
+        <p:cNvGrpSpPr/>
+        <p:nvPr/>
+      </p:nvGrpSpPr>
+      <p:grpSpPr>
+        <a:xfrm>
+          <a:off x="0" y="0"/>
+          <a:ext cx="0" cy="0"/>
+          <a:chOff x="0" y="0"/>
+          <a:chExt cx="0" cy="0"/>
+        </a:xfrm>
+      </p:grpSpPr>
+      <p:sp>
+        <p:nvSpPr>
+          <p:cNvPr id="141" name="TextShape 1"/>
+          <p:cNvSpPr txBox="1"/>
+          <p:nvPr/>
+        </p:nvSpPr>
+        <p:spPr>
+          <a:xfrm>
+            <a:off x="360" y="-360000"/>
+            <a:ext cx="10731240" cy="6035760"/>
+          </a:xfrm>
+          <a:prstGeom prst="rect">
+            <a:avLst/>
+          </a:prstGeom>
+          <a:blipFill rotWithShape="0">
+            <a:blip r:embed="rId1"/>
+            <a:stretch/>
+          </a:blipFill>
+          <a:ln w="0">
+            <a:noFill/>
+          </a:ln>
+        </p:spPr>
+        <p:txBody>
+          <a:bodyPr lIns="90000" rIns="90000" tIns="45000" bIns="45000" anchor="ctr" anchorCtr="1">
+            <a:noAutofit/>
+          </a:bodyPr>
+          <a:p>
+            <a:pPr algn="ctr"/>
+            <a:r>
+              <a:rPr b="0" lang="en-GB" sz="1800" spc="-1" strike="noStrike">
+                <a:latin typeface="Arial"/>
+              </a:rPr>
+              <a:t>`</a:t>
+            </a:r>
+            <a:endParaRPr b="0" lang="en-GB" sz="1800" spc="-1" strike="noStrike">
+              <a:latin typeface="Arial"/>
+            </a:endParaRPr>
+          </a:p>
+        </p:txBody>
+      </p:sp>
+      <p:sp>
+        <p:nvSpPr>
+          <p:cNvPr id="142" name="CustomShape 2"/>
+          <p:cNvSpPr/>
+          <p:nvPr/>
+        </p:nvSpPr>
+        <p:spPr>
+          <a:xfrm>
+            <a:off x="3420000" y="1620000"/>
+            <a:ext cx="7020000" cy="1080000"/>
+          </a:xfrm>
+          <a:prstGeom prst="rect">
+            <a:avLst/>
+          </a:prstGeom>
+          <a:solidFill>
+            <a:srgbClr val="ffffff"/>
+          </a:solidFill>
+          <a:ln w="0">
+            <a:noFill/>
+          </a:ln>
+        </p:spPr>
+        <p:style>
+          <a:lnRef idx="0"/>
+          <a:fillRef idx="0"/>
+          <a:effectRef idx="0"/>
+          <a:fontRef idx="minor"/>
+        </p:style>
+        <p:txBody>
+          <a:bodyPr wrap="none" lIns="90000" rIns="90000" tIns="45000" bIns="45000" anchor="ctr">
+            <a:noAutofit/>
+          </a:bodyPr>
+          <a:p>
+            <a:r>
+              <a:rPr b="1" lang="en-GB" sz="2800" spc="-1" strike="noStrike">
+                <a:solidFill>
+                  <a:srgbClr val="333333"/>
+                </a:solidFill>
+                <a:latin typeface="Arial"/>
+              </a:rPr>
+              <a:t>Clause </a:t>
+            </a:r>
+            <a:r>
+              <a:rPr b="1" lang="en-GB" sz="2800" spc="-1" strike="noStrike">
+                <a:solidFill>
+                  <a:srgbClr val="333333"/>
+                </a:solidFill>
+                <a:latin typeface="Arial"/>
+              </a:rPr>
+              <a:t>learning</a:t>
+            </a:r>
+            <a:endParaRPr b="1" lang="en-GB" sz="2800" spc="-1" strike="noStrike">
+              <a:latin typeface="Arial"/>
+            </a:endParaRPr>
+          </a:p>
+        </p:txBody>
+      </p:sp>
+      <p:sp>
+        <p:nvSpPr>
+          <p:cNvPr id="143" name="CustomShape 3"/>
+          <p:cNvSpPr/>
+          <p:nvPr/>
+        </p:nvSpPr>
+        <p:spPr>
+          <a:xfrm>
+            <a:off x="3711600" y="4500000"/>
+            <a:ext cx="6908400" cy="900000"/>
+          </a:xfrm>
+          <a:prstGeom prst="rect">
+            <a:avLst/>
+          </a:prstGeom>
+          <a:solidFill>
+            <a:srgbClr val="ffffff"/>
+          </a:solidFill>
+          <a:ln w="0">
+            <a:noFill/>
+          </a:ln>
+        </p:spPr>
+        <p:style>
+          <a:lnRef idx="0"/>
+          <a:fillRef idx="0"/>
+          <a:effectRef idx="0"/>
+          <a:fontRef idx="minor"/>
+        </p:style>
+      </p:sp>
+    </p:spTree>
+  </p:cSld>
+  <mc:AlternateContent>
+    <mc:Choice Requires="p14">
+      <p:transition spd="slow" p14:dur="2000"/>
+    </mc:Choice>
+    <mc:Fallback>
+      <p:transition spd="slow"/>
+    </mc:Fallback>
+  </mc:AlternateContent>
+</p:sld>
+</file>
+
+<file path=ppt/slides/slide7.xml><?xml version="1.0" encoding="utf-8"?>
+<p:sld xmlns:a="http://schemas.openxmlformats.org/drawingml/2006/main" xmlns:p="http://schemas.openxmlformats.org/presentationml/2006/main" xmlns:r="http://schemas.openxmlformats.org/officeDocument/2006/relationships" xmlns:p14="http://schemas.microsoft.com/office/powerpoint/2010/main" xmlns:p15="http://schemas.microsoft.com/office/powerpoint/2012/main" xmlns:mc="http://schemas.openxmlformats.org/markup-compatibility/2006">
+  <p:cSld>
+    <p:spTree>
+      <p:nvGrpSpPr>
+        <p:cNvPr id="1" name=""/>
+        <p:cNvGrpSpPr/>
+        <p:nvPr/>
+      </p:nvGrpSpPr>
+      <p:grpSpPr>
+        <a:xfrm>
+          <a:off x="0" y="0"/>
+          <a:ext cx="0" cy="0"/>
+          <a:chOff x="0" y="0"/>
+          <a:chExt cx="0" cy="0"/>
+        </a:xfrm>
+      </p:grpSpPr>
+      <p:sp>
+        <p:nvSpPr>
+          <p:cNvPr id="144" name="TextShape 1"/>
+          <p:cNvSpPr txBox="1"/>
+          <p:nvPr/>
+        </p:nvSpPr>
+        <p:spPr>
+          <a:xfrm>
+            <a:off x="360" y="-360000"/>
+            <a:ext cx="10731240" cy="6035760"/>
+          </a:xfrm>
+          <a:prstGeom prst="rect">
+            <a:avLst/>
+          </a:prstGeom>
+          <a:blipFill rotWithShape="0">
+            <a:blip r:embed="rId1"/>
+            <a:stretch/>
+          </a:blipFill>
+          <a:ln w="0">
+            <a:noFill/>
+          </a:ln>
+        </p:spPr>
+        <p:txBody>
+          <a:bodyPr lIns="90000" rIns="90000" tIns="45000" bIns="45000" anchor="ctr" anchorCtr="1">
+            <a:noAutofit/>
+          </a:bodyPr>
+          <a:p>
+            <a:pPr algn="ctr"/>
+            <a:r>
+              <a:rPr b="0" lang="en-GB" sz="1800" spc="-1" strike="noStrike">
+                <a:latin typeface="Arial"/>
+              </a:rPr>
+              <a:t>`</a:t>
+            </a:r>
+            <a:endParaRPr b="0" lang="en-GB" sz="1800" spc="-1" strike="noStrike">
+              <a:latin typeface="Arial"/>
+            </a:endParaRPr>
+          </a:p>
+        </p:txBody>
+      </p:sp>
+      <p:sp>
+        <p:nvSpPr>
+          <p:cNvPr id="145" name="CustomShape 2"/>
+          <p:cNvSpPr/>
+          <p:nvPr/>
+        </p:nvSpPr>
+        <p:spPr>
+          <a:xfrm>
+            <a:off x="3420000" y="1620000"/>
+            <a:ext cx="7020000" cy="1080000"/>
+          </a:xfrm>
+          <a:prstGeom prst="rect">
+            <a:avLst/>
+          </a:prstGeom>
+          <a:solidFill>
+            <a:srgbClr val="ffffff"/>
+          </a:solidFill>
+          <a:ln w="0">
+            <a:noFill/>
+          </a:ln>
+        </p:spPr>
+        <p:style>
+          <a:lnRef idx="0"/>
+          <a:fillRef idx="0"/>
+          <a:effectRef idx="0"/>
+          <a:fontRef idx="minor"/>
+        </p:style>
+        <p:txBody>
+          <a:bodyPr wrap="none" lIns="90000" rIns="90000" tIns="45000" bIns="45000" anchor="ctr">
+            <a:noAutofit/>
+          </a:bodyPr>
+          <a:p>
+            <a:r>
+              <a:rPr b="1" lang="en-GB" sz="2800" spc="-1" strike="noStrike">
+                <a:solidFill>
+                  <a:srgbClr val="333333"/>
+                </a:solidFill>
+                <a:latin typeface="Arial"/>
+              </a:rPr>
+              <a:t>Clause learning</a:t>
+            </a:r>
+            <a:endParaRPr b="1" lang="en-GB" sz="2800" spc="-1" strike="noStrike">
+              <a:latin typeface="Arial"/>
+            </a:endParaRPr>
+          </a:p>
+        </p:txBody>
+      </p:sp>
+      <p:sp>
+        <p:nvSpPr>
+          <p:cNvPr id="146" name="CustomShape 3"/>
+          <p:cNvSpPr/>
+          <p:nvPr/>
+        </p:nvSpPr>
+        <p:spPr>
+          <a:xfrm>
+            <a:off x="3711600" y="4500000"/>
+            <a:ext cx="6908400" cy="900000"/>
+          </a:xfrm>
+          <a:prstGeom prst="rect">
+            <a:avLst/>
+          </a:prstGeom>
+          <a:solidFill>
+            <a:srgbClr val="ffffff"/>
+          </a:solidFill>
+          <a:ln w="0">
+            <a:noFill/>
+          </a:ln>
+        </p:spPr>
+        <p:style>
+          <a:lnRef idx="0"/>
+          <a:fillRef idx="0"/>
+          <a:effectRef idx="0"/>
+          <a:fontRef idx="minor"/>
+        </p:style>
+      </p:sp>
+    </p:spTree>
+  </p:cSld>
+  <mc:AlternateContent>
+    <mc:Choice Requires="p14">
+      <p:transition spd="slow" p14:dur="2000"/>
+    </mc:Choice>
+    <mc:Fallback>
+      <p:transition spd="slow"/>
+    </mc:Fallback>
+  </mc:AlternateContent>
+</p:sld>
+</file>
+
+<file path=ppt/slides/slide8.xml><?xml version="1.0" encoding="utf-8"?>
+<p:sld xmlns:a="http://schemas.openxmlformats.org/drawingml/2006/main" xmlns:p="http://schemas.openxmlformats.org/presentationml/2006/main" xmlns:r="http://schemas.openxmlformats.org/officeDocument/2006/relationships" xmlns:p14="http://schemas.microsoft.com/office/powerpoint/2010/main" xmlns:p15="http://schemas.microsoft.com/office/powerpoint/2012/main" xmlns:mc="http://schemas.openxmlformats.org/markup-compatibility/2006">
+  <p:cSld>
+    <p:spTree>
+      <p:nvGrpSpPr>
+        <p:cNvPr id="1" name=""/>
+        <p:cNvGrpSpPr/>
+        <p:nvPr/>
+      </p:nvGrpSpPr>
+      <p:grpSpPr>
+        <a:xfrm>
+          <a:off x="0" y="0"/>
+          <a:ext cx="0" cy="0"/>
+          <a:chOff x="0" y="0"/>
+          <a:chExt cx="0" cy="0"/>
+        </a:xfrm>
+      </p:grpSpPr>
+      <p:sp>
+        <p:nvSpPr>
+          <p:cNvPr id="147" name="TextShape 1"/>
+          <p:cNvSpPr txBox="1"/>
+          <p:nvPr/>
+        </p:nvSpPr>
+        <p:spPr>
+          <a:xfrm>
+            <a:off x="360" y="-360000"/>
+            <a:ext cx="10731240" cy="6035760"/>
+          </a:xfrm>
+          <a:prstGeom prst="rect">
+            <a:avLst/>
+          </a:prstGeom>
+          <a:blipFill rotWithShape="0">
+            <a:blip r:embed="rId1"/>
+            <a:stretch/>
+          </a:blipFill>
+          <a:ln w="0">
+            <a:noFill/>
+          </a:ln>
+        </p:spPr>
+        <p:txBody>
+          <a:bodyPr lIns="90000" rIns="90000" tIns="45000" bIns="45000" anchor="ctr" anchorCtr="1">
+            <a:noAutofit/>
+          </a:bodyPr>
+          <a:p>
+            <a:pPr algn="ctr"/>
+            <a:r>
+              <a:rPr b="0" lang="en-GB" sz="1800" spc="-1" strike="noStrike">
+                <a:latin typeface="Arial"/>
+              </a:rPr>
+              <a:t>`</a:t>
+            </a:r>
+            <a:endParaRPr b="0" lang="en-GB" sz="1800" spc="-1" strike="noStrike">
+              <a:latin typeface="Arial"/>
+            </a:endParaRPr>
+          </a:p>
+        </p:txBody>
+      </p:sp>
+      <p:sp>
+        <p:nvSpPr>
+          <p:cNvPr id="148" name="CustomShape 2"/>
+          <p:cNvSpPr/>
+          <p:nvPr/>
+        </p:nvSpPr>
+        <p:spPr>
+          <a:xfrm>
+            <a:off x="3420000" y="1620000"/>
+            <a:ext cx="7020000" cy="1080000"/>
+          </a:xfrm>
+          <a:prstGeom prst="rect">
+            <a:avLst/>
+          </a:prstGeom>
+          <a:solidFill>
+            <a:srgbClr val="ffffff"/>
+          </a:solidFill>
+          <a:ln w="0">
+            <a:noFill/>
+          </a:ln>
+        </p:spPr>
+        <p:style>
+          <a:lnRef idx="0"/>
+          <a:fillRef idx="0"/>
+          <a:effectRef idx="0"/>
+          <a:fontRef idx="minor"/>
+        </p:style>
+        <p:txBody>
+          <a:bodyPr wrap="none" lIns="90000" rIns="90000" tIns="45000" bIns="45000" anchor="ctr">
+            <a:noAutofit/>
+          </a:bodyPr>
+          <a:p>
+            <a:r>
+              <a:rPr b="1" lang="en-GB" sz="2800" spc="-1" strike="noStrike">
+                <a:solidFill>
+                  <a:srgbClr val="333333"/>
+                </a:solidFill>
+                <a:latin typeface="Arial"/>
+              </a:rPr>
+              <a:t>Clause learning with assumptions</a:t>
+            </a:r>
+            <a:endParaRPr b="1" lang="en-GB" sz="2800" spc="-1" strike="noStrike">
+              <a:latin typeface="Arial"/>
+            </a:endParaRPr>
+          </a:p>
+        </p:txBody>
+      </p:sp>
+      <p:sp>
+        <p:nvSpPr>
+          <p:cNvPr id="149" name="CustomShape 3"/>
+          <p:cNvSpPr/>
+          <p:nvPr/>
+        </p:nvSpPr>
+        <p:spPr>
+          <a:xfrm>
+            <a:off x="3711600" y="4500000"/>
+            <a:ext cx="6908400" cy="900000"/>
+          </a:xfrm>
+          <a:prstGeom prst="rect">
+            <a:avLst/>
+          </a:prstGeom>
+          <a:solidFill>
+            <a:srgbClr val="ffffff"/>
+          </a:solidFill>
+          <a:ln w="0">
+            <a:noFill/>
+          </a:ln>
+        </p:spPr>
+        <p:style>
+          <a:lnRef idx="0"/>
+          <a:fillRef idx="0"/>
+          <a:effectRef idx="0"/>
+          <a:fontRef idx="minor"/>
+        </p:style>
+      </p:sp>
+      <p:sp>
+        <p:nvSpPr>
+          <p:cNvPr id="150" name="CustomShape 4"/>
+          <p:cNvSpPr/>
+          <p:nvPr/>
+        </p:nvSpPr>
+        <p:spPr>
+          <a:xfrm>
+            <a:off x="180000" y="360000"/>
+            <a:ext cx="10080000" cy="821160"/>
+          </a:xfrm>
+          <a:prstGeom prst="rect">
+            <a:avLst/>
+          </a:prstGeom>
+          <a:solidFill>
+            <a:srgbClr val="ffffff"/>
+          </a:solidFill>
+          <a:ln w="0">
+            <a:noFill/>
+          </a:ln>
+        </p:spPr>
+        <p:style>
+          <a:lnRef idx="0"/>
+          <a:fillRef idx="0"/>
+          <a:effectRef idx="0"/>
+          <a:fontRef idx="minor"/>
+        </p:style>
+        <p:txBody>
+          <a:bodyPr wrap="none" lIns="90000" rIns="90000" tIns="45000" bIns="45000" anchor="ctr">
+            <a:noAutofit/>
+          </a:bodyPr>
+          <a:p>
+            <a:r>
+              <a:rPr b="1" lang="en-GB" sz="2800" spc="-1" strike="noStrike">
+                <a:solidFill>
+                  <a:srgbClr val="ff8000"/>
+                </a:solidFill>
+                <a:latin typeface="Arial"/>
+              </a:rPr>
+              <a:t>A</a:t>
+            </a:r>
+            <a:r>
+              <a:rPr b="1" lang="en-GB" sz="2800" spc="-1" strike="noStrike">
+                <a:solidFill>
+                  <a:srgbClr val="ff8000"/>
+                </a:solidFill>
+                <a:latin typeface="Arial"/>
+              </a:rPr>
+              <a:t>s</a:t>
+            </a:r>
+            <a:r>
+              <a:rPr b="1" lang="en-GB" sz="2800" spc="-1" strike="noStrike">
+                <a:solidFill>
+                  <a:srgbClr val="ff8000"/>
+                </a:solidFill>
+                <a:latin typeface="Arial"/>
+              </a:rPr>
+              <a:t>s</a:t>
+            </a:r>
+            <a:r>
+              <a:rPr b="1" lang="en-GB" sz="2800" spc="-1" strike="noStrike">
+                <a:solidFill>
+                  <a:srgbClr val="ff8000"/>
+                </a:solidFill>
+                <a:latin typeface="Arial"/>
+              </a:rPr>
+              <a:t>u</a:t>
+            </a:r>
+            <a:r>
+              <a:rPr b="1" lang="en-GB" sz="2800" spc="-1" strike="noStrike">
+                <a:solidFill>
+                  <a:srgbClr val="ff8000"/>
+                </a:solidFill>
+                <a:latin typeface="Arial"/>
+              </a:rPr>
+              <a:t>m</a:t>
+            </a:r>
+            <a:r>
+              <a:rPr b="1" lang="en-GB" sz="2800" spc="-1" strike="noStrike">
+                <a:solidFill>
+                  <a:srgbClr val="ff8000"/>
+                </a:solidFill>
+                <a:latin typeface="Arial"/>
+              </a:rPr>
+              <a:t>p</a:t>
+            </a:r>
+            <a:r>
+              <a:rPr b="1" lang="en-GB" sz="2800" spc="-1" strike="noStrike">
+                <a:solidFill>
+                  <a:srgbClr val="ff8000"/>
+                </a:solidFill>
+                <a:latin typeface="Arial"/>
+              </a:rPr>
+              <a:t>t</a:t>
+            </a:r>
+            <a:r>
+              <a:rPr b="1" lang="en-GB" sz="2800" spc="-1" strike="noStrike">
+                <a:solidFill>
+                  <a:srgbClr val="ff8000"/>
+                </a:solidFill>
+                <a:latin typeface="Arial"/>
+              </a:rPr>
+              <a:t>i</a:t>
+            </a:r>
+            <a:r>
+              <a:rPr b="1" lang="en-GB" sz="2800" spc="-1" strike="noStrike">
+                <a:solidFill>
+                  <a:srgbClr val="ff8000"/>
+                </a:solidFill>
+                <a:latin typeface="Arial"/>
+              </a:rPr>
+              <a:t>o</a:t>
+            </a:r>
+            <a:r>
+              <a:rPr b="1" lang="en-GB" sz="2800" spc="-1" strike="noStrike">
+                <a:solidFill>
+                  <a:srgbClr val="ff8000"/>
+                </a:solidFill>
+                <a:latin typeface="Arial"/>
+              </a:rPr>
+              <a:t>n</a:t>
+            </a:r>
+            <a:r>
+              <a:rPr b="1" lang="en-GB" sz="2800" spc="-1" strike="noStrike">
+                <a:solidFill>
+                  <a:srgbClr val="ff8000"/>
+                </a:solidFill>
+                <a:latin typeface="Arial"/>
+              </a:rPr>
+              <a:t> </a:t>
+            </a:r>
+            <a:r>
+              <a:rPr b="1" lang="en-GB" sz="2800" spc="-1" strike="noStrike">
+                <a:solidFill>
+                  <a:srgbClr val="ff8000"/>
+                </a:solidFill>
+                <a:latin typeface="Arial"/>
+              </a:rPr>
+              <a:t>v</a:t>
+            </a:r>
+            <a:r>
+              <a:rPr b="1" lang="en-GB" sz="2800" spc="-1" strike="noStrike">
+                <a:solidFill>
+                  <a:srgbClr val="ff8000"/>
+                </a:solidFill>
+                <a:latin typeface="Arial"/>
+              </a:rPr>
+              <a:t>a</a:t>
+            </a:r>
+            <a:r>
+              <a:rPr b="1" lang="en-GB" sz="2800" spc="-1" strike="noStrike">
+                <a:solidFill>
+                  <a:srgbClr val="ff8000"/>
+                </a:solidFill>
+                <a:latin typeface="Arial"/>
+              </a:rPr>
+              <a:t>r</a:t>
+            </a:r>
+            <a:r>
+              <a:rPr b="1" lang="en-GB" sz="2800" spc="-1" strike="noStrike">
+                <a:solidFill>
+                  <a:srgbClr val="ff8000"/>
+                </a:solidFill>
+                <a:latin typeface="Arial"/>
+              </a:rPr>
+              <a:t>i</a:t>
+            </a:r>
+            <a:r>
+              <a:rPr b="1" lang="en-GB" sz="2800" spc="-1" strike="noStrike">
+                <a:solidFill>
+                  <a:srgbClr val="ff8000"/>
+                </a:solidFill>
+                <a:latin typeface="Arial"/>
+              </a:rPr>
+              <a:t>a</a:t>
+            </a:r>
+            <a:r>
+              <a:rPr b="1" lang="en-GB" sz="2800" spc="-1" strike="noStrike">
+                <a:solidFill>
+                  <a:srgbClr val="ff8000"/>
+                </a:solidFill>
+                <a:latin typeface="Arial"/>
+              </a:rPr>
+              <a:t>b</a:t>
+            </a:r>
+            <a:r>
+              <a:rPr b="1" lang="en-GB" sz="2800" spc="-1" strike="noStrike">
+                <a:solidFill>
+                  <a:srgbClr val="ff8000"/>
+                </a:solidFill>
+                <a:latin typeface="Arial"/>
+              </a:rPr>
+              <a:t>l</a:t>
+            </a:r>
+            <a:r>
+              <a:rPr b="1" lang="en-GB" sz="2800" spc="-1" strike="noStrike">
+                <a:solidFill>
+                  <a:srgbClr val="ff8000"/>
+                </a:solidFill>
+                <a:latin typeface="Arial"/>
+              </a:rPr>
+              <a:t>e</a:t>
+            </a:r>
+            <a:r>
+              <a:rPr b="1" lang="en-GB" sz="2800" spc="-1" strike="noStrike">
+                <a:solidFill>
+                  <a:srgbClr val="ff8000"/>
+                </a:solidFill>
+                <a:latin typeface="Arial"/>
+              </a:rPr>
+              <a:t>s</a:t>
+            </a:r>
+            <a:endParaRPr b="1" lang="en-GB" sz="2800" spc="-1" strike="noStrike">
+              <a:solidFill>
+                <a:srgbClr val="ff8000"/>
+              </a:solidFill>
+              <a:latin typeface="Arial"/>
+            </a:endParaRPr>
+          </a:p>
+        </p:txBody>
+      </p:sp>
+      <p:sp>
+        <p:nvSpPr>
+          <p:cNvPr id="151" name="TextShape 5"/>
+          <p:cNvSpPr txBox="1"/>
+          <p:nvPr/>
+        </p:nvSpPr>
+        <p:spPr>
+          <a:xfrm>
+            <a:off x="560880" y="1116000"/>
+            <a:ext cx="425880" cy="232200"/>
+          </a:xfrm>
+          <a:prstGeom prst="rect">
+            <a:avLst/>
+          </a:prstGeom>
+          <a:noFill/>
+          <a:ln w="0">
+            <a:noFill/>
+          </a:ln>
+        </p:spPr>
+        <p:txBody>
+          <a:bodyPr lIns="90000" rIns="90000" tIns="45000" bIns="45000">
+            <a:noAutofit/>
+          </a:bodyPr>
+          <a:p>
+            <a:r>
+              <a:rPr b="0" lang="en-GB" sz="1000" spc="-1" strike="noStrike">
+                <a:solidFill>
+                  <a:srgbClr val="ff8000"/>
+                </a:solidFill>
+                <a:latin typeface="Arial"/>
+              </a:rPr>
+              <a:t>a1</a:t>
+            </a:r>
+            <a:r>
+              <a:rPr b="0" lang="en-GB" sz="1000" spc="-1" strike="noStrike">
+                <a:solidFill>
+                  <a:srgbClr val="ff8000"/>
+                </a:solidFill>
+                <a:latin typeface="Arial"/>
+              </a:rPr>
+              <a:t> \/</a:t>
+            </a:r>
+            <a:endParaRPr b="0" lang="en-GB" sz="1000" spc="-1" strike="noStrike">
+              <a:latin typeface="Arial"/>
+            </a:endParaRPr>
+          </a:p>
+        </p:txBody>
+      </p:sp>
+      <p:sp>
+        <p:nvSpPr>
+          <p:cNvPr id="152" name="TextShape 6"/>
+          <p:cNvSpPr txBox="1"/>
+          <p:nvPr/>
+        </p:nvSpPr>
+        <p:spPr>
+          <a:xfrm>
+            <a:off x="1568880" y="1116360"/>
+            <a:ext cx="425880" cy="232200"/>
+          </a:xfrm>
+          <a:prstGeom prst="rect">
+            <a:avLst/>
+          </a:prstGeom>
+          <a:noFill/>
+          <a:ln w="0">
+            <a:noFill/>
+          </a:ln>
+        </p:spPr>
+        <p:txBody>
+          <a:bodyPr lIns="90000" rIns="90000" tIns="45000" bIns="45000">
+            <a:noAutofit/>
+          </a:bodyPr>
+          <a:p>
+            <a:r>
+              <a:rPr b="0" lang="en-GB" sz="1000" spc="-1" strike="noStrike">
+                <a:solidFill>
+                  <a:srgbClr val="ff8000"/>
+                </a:solidFill>
+                <a:latin typeface="Arial"/>
+              </a:rPr>
+              <a:t>a2</a:t>
+            </a:r>
+            <a:r>
+              <a:rPr b="0" lang="en-GB" sz="1000" spc="-1" strike="noStrike">
+                <a:solidFill>
+                  <a:srgbClr val="ff8000"/>
+                </a:solidFill>
+                <a:latin typeface="Arial"/>
+              </a:rPr>
+              <a:t> \/</a:t>
+            </a:r>
+            <a:endParaRPr b="0" lang="en-GB" sz="1000" spc="-1" strike="noStrike">
+              <a:latin typeface="Arial"/>
+            </a:endParaRPr>
+          </a:p>
+        </p:txBody>
+      </p:sp>
+      <p:sp>
+        <p:nvSpPr>
+          <p:cNvPr id="153" name="TextShape 7"/>
+          <p:cNvSpPr txBox="1"/>
+          <p:nvPr/>
+        </p:nvSpPr>
+        <p:spPr>
+          <a:xfrm>
+            <a:off x="2504880" y="1116720"/>
+            <a:ext cx="425880" cy="232200"/>
+          </a:xfrm>
+          <a:prstGeom prst="rect">
+            <a:avLst/>
+          </a:prstGeom>
+          <a:noFill/>
+          <a:ln w="0">
+            <a:noFill/>
+          </a:ln>
+        </p:spPr>
+        <p:txBody>
+          <a:bodyPr lIns="90000" rIns="90000" tIns="45000" bIns="45000">
+            <a:noAutofit/>
+          </a:bodyPr>
+          <a:p>
+            <a:r>
+              <a:rPr b="0" lang="en-GB" sz="1000" spc="-1" strike="noStrike">
+                <a:solidFill>
+                  <a:srgbClr val="ff8000"/>
+                </a:solidFill>
+                <a:latin typeface="Arial"/>
+              </a:rPr>
+              <a:t>a</a:t>
+            </a:r>
+            <a:r>
+              <a:rPr b="0" lang="en-GB" sz="1000" spc="-1" strike="noStrike">
+                <a:solidFill>
+                  <a:srgbClr val="ff8000"/>
+                </a:solidFill>
+                <a:latin typeface="Arial"/>
+              </a:rPr>
+              <a:t>3</a:t>
+            </a:r>
+            <a:r>
+              <a:rPr b="0" lang="en-GB" sz="1000" spc="-1" strike="noStrike">
+                <a:solidFill>
+                  <a:srgbClr val="ff8000"/>
+                </a:solidFill>
+                <a:latin typeface="Arial"/>
+              </a:rPr>
+              <a:t> </a:t>
+            </a:r>
+            <a:r>
+              <a:rPr b="0" lang="en-GB" sz="1000" spc="-1" strike="noStrike">
+                <a:solidFill>
+                  <a:srgbClr val="ff8000"/>
+                </a:solidFill>
+                <a:latin typeface="Arial"/>
+              </a:rPr>
+              <a:t>\/</a:t>
+            </a:r>
+            <a:endParaRPr b="0" lang="en-GB" sz="1000" spc="-1" strike="noStrike">
+              <a:latin typeface="Arial"/>
+            </a:endParaRPr>
+          </a:p>
+        </p:txBody>
+      </p:sp>
+      <p:sp>
+        <p:nvSpPr>
+          <p:cNvPr id="154" name="TextShape 8"/>
+          <p:cNvSpPr txBox="1"/>
+          <p:nvPr/>
+        </p:nvSpPr>
+        <p:spPr>
+          <a:xfrm>
+            <a:off x="3548880" y="1117080"/>
+            <a:ext cx="425880" cy="232200"/>
+          </a:xfrm>
+          <a:prstGeom prst="rect">
+            <a:avLst/>
+          </a:prstGeom>
+          <a:noFill/>
+          <a:ln w="0">
+            <a:noFill/>
+          </a:ln>
+        </p:spPr>
+        <p:txBody>
+          <a:bodyPr lIns="90000" rIns="90000" tIns="45000" bIns="45000">
+            <a:noAutofit/>
+          </a:bodyPr>
+          <a:p>
+            <a:r>
+              <a:rPr b="0" lang="en-GB" sz="1000" spc="-1" strike="noStrike">
+                <a:solidFill>
+                  <a:srgbClr val="ff8000"/>
+                </a:solidFill>
+                <a:latin typeface="Arial"/>
+              </a:rPr>
+              <a:t>a4</a:t>
+            </a:r>
+            <a:r>
+              <a:rPr b="0" lang="en-GB" sz="1000" spc="-1" strike="noStrike">
+                <a:solidFill>
+                  <a:srgbClr val="ff8000"/>
+                </a:solidFill>
+                <a:latin typeface="Arial"/>
+              </a:rPr>
+              <a:t> \</a:t>
+            </a:r>
+            <a:r>
+              <a:rPr b="0" lang="en-GB" sz="1000" spc="-1" strike="noStrike">
+                <a:solidFill>
+                  <a:srgbClr val="ff8000"/>
+                </a:solidFill>
+                <a:latin typeface="Arial"/>
+              </a:rPr>
+              <a:t>/</a:t>
+            </a:r>
+            <a:endParaRPr b="0" lang="en-GB" sz="1000" spc="-1" strike="noStrike">
+              <a:latin typeface="Arial"/>
+            </a:endParaRPr>
+          </a:p>
+        </p:txBody>
+      </p:sp>
+      <p:sp>
+        <p:nvSpPr>
+          <p:cNvPr id="155" name="TextShape 9"/>
+          <p:cNvSpPr txBox="1"/>
+          <p:nvPr/>
+        </p:nvSpPr>
+        <p:spPr>
+          <a:xfrm>
+            <a:off x="4916880" y="1117440"/>
+            <a:ext cx="425880" cy="232200"/>
+          </a:xfrm>
+          <a:prstGeom prst="rect">
+            <a:avLst/>
+          </a:prstGeom>
+          <a:noFill/>
+          <a:ln w="0">
+            <a:noFill/>
+          </a:ln>
+        </p:spPr>
+        <p:txBody>
+          <a:bodyPr lIns="90000" rIns="90000" tIns="45000" bIns="45000">
+            <a:noAutofit/>
+          </a:bodyPr>
+          <a:p>
+            <a:r>
+              <a:rPr b="0" lang="en-GB" sz="1000" spc="-1" strike="noStrike">
+                <a:solidFill>
+                  <a:srgbClr val="ff8000"/>
+                </a:solidFill>
+                <a:latin typeface="Arial"/>
+              </a:rPr>
+              <a:t>a5</a:t>
+            </a:r>
+            <a:r>
+              <a:rPr b="0" lang="en-GB" sz="1000" spc="-1" strike="noStrike">
+                <a:solidFill>
+                  <a:srgbClr val="ff8000"/>
+                </a:solidFill>
+                <a:latin typeface="Arial"/>
+              </a:rPr>
+              <a:t> \</a:t>
+            </a:r>
+            <a:r>
+              <a:rPr b="0" lang="en-GB" sz="1000" spc="-1" strike="noStrike">
+                <a:solidFill>
+                  <a:srgbClr val="ff8000"/>
+                </a:solidFill>
+                <a:latin typeface="Arial"/>
+              </a:rPr>
+              <a:t>/</a:t>
+            </a:r>
+            <a:endParaRPr b="0" lang="en-GB" sz="1000" spc="-1" strike="noStrike">
+              <a:latin typeface="Arial"/>
+            </a:endParaRPr>
+          </a:p>
+        </p:txBody>
+      </p:sp>
+      <p:sp>
+        <p:nvSpPr>
+          <p:cNvPr id="156" name="TextShape 10"/>
+          <p:cNvSpPr txBox="1"/>
+          <p:nvPr/>
+        </p:nvSpPr>
+        <p:spPr>
+          <a:xfrm>
+            <a:off x="6248880" y="1117800"/>
+            <a:ext cx="425880" cy="232200"/>
+          </a:xfrm>
+          <a:prstGeom prst="rect">
+            <a:avLst/>
+          </a:prstGeom>
+          <a:noFill/>
+          <a:ln w="0">
+            <a:noFill/>
+          </a:ln>
+        </p:spPr>
+        <p:txBody>
+          <a:bodyPr lIns="90000" rIns="90000" tIns="45000" bIns="45000">
+            <a:noAutofit/>
+          </a:bodyPr>
+          <a:p>
+            <a:r>
+              <a:rPr b="0" lang="en-GB" sz="1000" spc="-1" strike="noStrike">
+                <a:solidFill>
+                  <a:srgbClr val="ff8000"/>
+                </a:solidFill>
+                <a:latin typeface="Arial"/>
+              </a:rPr>
+              <a:t>a6</a:t>
+            </a:r>
+            <a:r>
+              <a:rPr b="0" lang="en-GB" sz="1000" spc="-1" strike="noStrike">
+                <a:solidFill>
+                  <a:srgbClr val="ff8000"/>
+                </a:solidFill>
+                <a:latin typeface="Arial"/>
+              </a:rPr>
+              <a:t> \</a:t>
+            </a:r>
+            <a:r>
+              <a:rPr b="0" lang="en-GB" sz="1000" spc="-1" strike="noStrike">
+                <a:solidFill>
+                  <a:srgbClr val="ff8000"/>
+                </a:solidFill>
+                <a:latin typeface="Arial"/>
+              </a:rPr>
+              <a:t>/</a:t>
+            </a:r>
+            <a:endParaRPr b="0" lang="en-GB" sz="1000" spc="-1" strike="noStrike">
+              <a:latin typeface="Arial"/>
+            </a:endParaRPr>
+          </a:p>
+        </p:txBody>
+      </p:sp>
+      <p:sp>
+        <p:nvSpPr>
+          <p:cNvPr id="157" name="TextShape 11"/>
+          <p:cNvSpPr txBox="1"/>
+          <p:nvPr/>
+        </p:nvSpPr>
+        <p:spPr>
+          <a:xfrm>
+            <a:off x="7220880" y="1118160"/>
+            <a:ext cx="425880" cy="232200"/>
+          </a:xfrm>
+          <a:prstGeom prst="rect">
+            <a:avLst/>
+          </a:prstGeom>
+          <a:noFill/>
+          <a:ln w="0">
+            <a:noFill/>
+          </a:ln>
+        </p:spPr>
+        <p:txBody>
+          <a:bodyPr lIns="90000" rIns="90000" tIns="45000" bIns="45000">
+            <a:noAutofit/>
+          </a:bodyPr>
+          <a:p>
+            <a:r>
+              <a:rPr b="0" lang="en-GB" sz="1000" spc="-1" strike="noStrike">
+                <a:solidFill>
+                  <a:srgbClr val="ff8000"/>
+                </a:solidFill>
+                <a:latin typeface="Arial"/>
+              </a:rPr>
+              <a:t>a7</a:t>
+            </a:r>
+            <a:r>
+              <a:rPr b="0" lang="en-GB" sz="1000" spc="-1" strike="noStrike">
+                <a:solidFill>
+                  <a:srgbClr val="ff8000"/>
+                </a:solidFill>
+                <a:latin typeface="Arial"/>
+              </a:rPr>
+              <a:t> \</a:t>
+            </a:r>
+            <a:r>
+              <a:rPr b="0" lang="en-GB" sz="1000" spc="-1" strike="noStrike">
+                <a:solidFill>
+                  <a:srgbClr val="ff8000"/>
+                </a:solidFill>
+                <a:latin typeface="Arial"/>
+              </a:rPr>
+              <a:t>/</a:t>
+            </a:r>
+            <a:endParaRPr b="0" lang="en-GB" sz="1000" spc="-1" strike="noStrike">
+              <a:latin typeface="Arial"/>
+            </a:endParaRPr>
+          </a:p>
+        </p:txBody>
+      </p:sp>
+      <p:sp>
+        <p:nvSpPr>
+          <p:cNvPr id="158" name="TextShape 12"/>
+          <p:cNvSpPr txBox="1"/>
+          <p:nvPr/>
+        </p:nvSpPr>
+        <p:spPr>
+          <a:xfrm>
+            <a:off x="8192880" y="1118520"/>
+            <a:ext cx="425880" cy="232200"/>
+          </a:xfrm>
+          <a:prstGeom prst="rect">
+            <a:avLst/>
+          </a:prstGeom>
+          <a:noFill/>
+          <a:ln w="0">
+            <a:noFill/>
+          </a:ln>
+        </p:spPr>
+        <p:txBody>
+          <a:bodyPr lIns="90000" rIns="90000" tIns="45000" bIns="45000">
+            <a:noAutofit/>
+          </a:bodyPr>
+          <a:p>
+            <a:r>
+              <a:rPr b="0" lang="en-GB" sz="1000" spc="-1" strike="noStrike">
+                <a:solidFill>
+                  <a:srgbClr val="ff8000"/>
+                </a:solidFill>
+                <a:latin typeface="Arial"/>
+              </a:rPr>
+              <a:t>a8</a:t>
+            </a:r>
+            <a:r>
+              <a:rPr b="0" lang="en-GB" sz="1000" spc="-1" strike="noStrike">
+                <a:solidFill>
+                  <a:srgbClr val="ff8000"/>
+                </a:solidFill>
+                <a:latin typeface="Arial"/>
+              </a:rPr>
+              <a:t> \</a:t>
+            </a:r>
+            <a:r>
+              <a:rPr b="0" lang="en-GB" sz="1000" spc="-1" strike="noStrike">
+                <a:solidFill>
+                  <a:srgbClr val="ff8000"/>
+                </a:solidFill>
+                <a:latin typeface="Arial"/>
+              </a:rPr>
+              <a:t>/</a:t>
+            </a:r>
+            <a:endParaRPr b="0" lang="en-GB" sz="1000" spc="-1" strike="noStrike">
+              <a:latin typeface="Arial"/>
+            </a:endParaRPr>
+          </a:p>
+        </p:txBody>
+      </p:sp>
+      <p:sp>
+        <p:nvSpPr>
+          <p:cNvPr id="159" name="TextShape 13"/>
+          <p:cNvSpPr txBox="1"/>
+          <p:nvPr/>
+        </p:nvSpPr>
+        <p:spPr>
+          <a:xfrm>
+            <a:off x="9200880" y="1118880"/>
+            <a:ext cx="425880" cy="232200"/>
+          </a:xfrm>
+          <a:prstGeom prst="rect">
+            <a:avLst/>
+          </a:prstGeom>
+          <a:noFill/>
+          <a:ln w="0">
+            <a:noFill/>
+          </a:ln>
+        </p:spPr>
+        <p:txBody>
+          <a:bodyPr lIns="90000" rIns="90000" tIns="45000" bIns="45000">
+            <a:noAutofit/>
+          </a:bodyPr>
+          <a:p>
+            <a:r>
+              <a:rPr b="0" lang="en-GB" sz="1000" spc="-1" strike="noStrike">
+                <a:solidFill>
+                  <a:srgbClr val="ff8000"/>
+                </a:solidFill>
+                <a:latin typeface="Arial"/>
+              </a:rPr>
+              <a:t>a9</a:t>
+            </a:r>
+            <a:r>
+              <a:rPr b="0" lang="en-GB" sz="1000" spc="-1" strike="noStrike">
+                <a:solidFill>
+                  <a:srgbClr val="ff8000"/>
+                </a:solidFill>
+                <a:latin typeface="Arial"/>
+              </a:rPr>
+              <a:t> \</a:t>
+            </a:r>
+            <a:r>
+              <a:rPr b="0" lang="en-GB" sz="1000" spc="-1" strike="noStrike">
+                <a:solidFill>
+                  <a:srgbClr val="ff8000"/>
+                </a:solidFill>
+                <a:latin typeface="Arial"/>
+              </a:rPr>
+              <a:t>/</a:t>
+            </a:r>
+            <a:endParaRPr b="0" lang="en-GB" sz="1000" spc="-1" strike="noStrike">
+              <a:latin typeface="Arial"/>
+            </a:endParaRPr>
+          </a:p>
+        </p:txBody>
+      </p:sp>
+      <p:sp>
+        <p:nvSpPr>
+          <p:cNvPr id="160" name="TextShape 14"/>
+          <p:cNvSpPr txBox="1"/>
+          <p:nvPr/>
+        </p:nvSpPr>
+        <p:spPr>
+          <a:xfrm>
+            <a:off x="689760" y="2107800"/>
+            <a:ext cx="425880" cy="232200"/>
+          </a:xfrm>
+          <a:prstGeom prst="rect">
+            <a:avLst/>
+          </a:prstGeom>
+          <a:noFill/>
+          <a:ln w="0">
+            <a:noFill/>
+          </a:ln>
+        </p:spPr>
+        <p:txBody>
+          <a:bodyPr lIns="90000" rIns="90000" tIns="45000" bIns="45000">
+            <a:noAutofit/>
+          </a:bodyPr>
+          <a:p>
+            <a:r>
+              <a:rPr b="0" lang="en-GB" sz="1000" spc="-1" strike="noStrike">
+                <a:solidFill>
+                  <a:srgbClr val="ff8000"/>
+                </a:solidFill>
+                <a:latin typeface="Arial"/>
+              </a:rPr>
+              <a:t>a1</a:t>
+            </a:r>
+            <a:r>
+              <a:rPr b="0" lang="en-GB" sz="1000" spc="-1" strike="noStrike">
+                <a:solidFill>
+                  <a:srgbClr val="ff8000"/>
+                </a:solidFill>
+                <a:latin typeface="Arial"/>
+              </a:rPr>
+              <a:t> \</a:t>
+            </a:r>
+            <a:r>
+              <a:rPr b="0" lang="en-GB" sz="1000" spc="-1" strike="noStrike">
+                <a:solidFill>
+                  <a:srgbClr val="ff8000"/>
+                </a:solidFill>
+                <a:latin typeface="Arial"/>
+              </a:rPr>
+              <a:t>/</a:t>
+            </a:r>
+            <a:endParaRPr b="0" lang="en-GB" sz="1000" spc="-1" strike="noStrike">
+              <a:latin typeface="Arial"/>
+            </a:endParaRPr>
+          </a:p>
+        </p:txBody>
+      </p:sp>
+      <p:sp>
+        <p:nvSpPr>
+          <p:cNvPr id="161" name="TextShape 15"/>
+          <p:cNvSpPr txBox="1"/>
+          <p:nvPr/>
+        </p:nvSpPr>
+        <p:spPr>
+          <a:xfrm>
+            <a:off x="684000" y="2935800"/>
+            <a:ext cx="425880" cy="232200"/>
+          </a:xfrm>
+          <a:prstGeom prst="rect">
+            <a:avLst/>
+          </a:prstGeom>
+          <a:noFill/>
+          <a:ln w="0">
+            <a:noFill/>
+          </a:ln>
+        </p:spPr>
+        <p:txBody>
+          <a:bodyPr lIns="90000" rIns="90000" tIns="45000" bIns="45000">
+            <a:noAutofit/>
+          </a:bodyPr>
+          <a:p>
+            <a:r>
+              <a:rPr b="0" lang="en-GB" sz="1000" spc="-1" strike="noStrike">
+                <a:solidFill>
+                  <a:srgbClr val="ff8000"/>
+                </a:solidFill>
+                <a:latin typeface="Arial"/>
+              </a:rPr>
+              <a:t>a2</a:t>
+            </a:r>
+            <a:r>
+              <a:rPr b="0" lang="en-GB" sz="1000" spc="-1" strike="noStrike">
+                <a:solidFill>
+                  <a:srgbClr val="ff8000"/>
+                </a:solidFill>
+                <a:latin typeface="Arial"/>
+              </a:rPr>
+              <a:t> \</a:t>
+            </a:r>
+            <a:r>
+              <a:rPr b="0" lang="en-GB" sz="1000" spc="-1" strike="noStrike">
+                <a:solidFill>
+                  <a:srgbClr val="ff8000"/>
+                </a:solidFill>
+                <a:latin typeface="Arial"/>
+              </a:rPr>
+              <a:t>/</a:t>
+            </a:r>
+            <a:endParaRPr b="0" lang="en-GB" sz="1000" spc="-1" strike="noStrike">
+              <a:latin typeface="Arial"/>
+            </a:endParaRPr>
+          </a:p>
+        </p:txBody>
+      </p:sp>
+      <p:sp>
+        <p:nvSpPr>
+          <p:cNvPr id="162" name="TextShape 16"/>
+          <p:cNvSpPr txBox="1"/>
+          <p:nvPr/>
+        </p:nvSpPr>
+        <p:spPr>
+          <a:xfrm>
+            <a:off x="689760" y="3403800"/>
+            <a:ext cx="425880" cy="232200"/>
+          </a:xfrm>
+          <a:prstGeom prst="rect">
+            <a:avLst/>
+          </a:prstGeom>
+          <a:noFill/>
+          <a:ln w="0">
+            <a:noFill/>
+          </a:ln>
+        </p:spPr>
+        <p:txBody>
+          <a:bodyPr lIns="90000" rIns="90000" tIns="45000" bIns="45000">
+            <a:noAutofit/>
+          </a:bodyPr>
+          <a:p>
+            <a:r>
+              <a:rPr b="0" lang="en-GB" sz="1000" spc="-1" strike="noStrike">
+                <a:solidFill>
+                  <a:srgbClr val="ff8000"/>
+                </a:solidFill>
+                <a:latin typeface="Arial"/>
+              </a:rPr>
+              <a:t>a3</a:t>
+            </a:r>
+            <a:r>
+              <a:rPr b="0" lang="en-GB" sz="1000" spc="-1" strike="noStrike">
+                <a:solidFill>
+                  <a:srgbClr val="ff8000"/>
+                </a:solidFill>
+                <a:latin typeface="Arial"/>
+              </a:rPr>
+              <a:t> \</a:t>
+            </a:r>
+            <a:r>
+              <a:rPr b="0" lang="en-GB" sz="1000" spc="-1" strike="noStrike">
+                <a:solidFill>
+                  <a:srgbClr val="ff8000"/>
+                </a:solidFill>
+                <a:latin typeface="Arial"/>
+              </a:rPr>
+              <a:t>/</a:t>
+            </a:r>
+            <a:endParaRPr b="0" lang="en-GB" sz="1000" spc="-1" strike="noStrike">
+              <a:latin typeface="Arial"/>
+            </a:endParaRPr>
+          </a:p>
+        </p:txBody>
+      </p:sp>
+      <p:sp>
+        <p:nvSpPr>
+          <p:cNvPr id="163" name="TextShape 17"/>
+          <p:cNvSpPr txBox="1"/>
+          <p:nvPr/>
+        </p:nvSpPr>
+        <p:spPr>
+          <a:xfrm>
+            <a:off x="576000" y="4212000"/>
+            <a:ext cx="425880" cy="232200"/>
+          </a:xfrm>
+          <a:prstGeom prst="rect">
+            <a:avLst/>
+          </a:prstGeom>
+          <a:noFill/>
+          <a:ln w="0">
+            <a:noFill/>
+          </a:ln>
+        </p:spPr>
+        <p:txBody>
+          <a:bodyPr lIns="90000" rIns="90000" tIns="45000" bIns="45000">
+            <a:noAutofit/>
+          </a:bodyPr>
+          <a:p>
+            <a:r>
+              <a:rPr b="0" lang="en-GB" sz="1000" spc="-1" strike="noStrike">
+                <a:solidFill>
+                  <a:srgbClr val="ff8000"/>
+                </a:solidFill>
+                <a:latin typeface="Arial"/>
+              </a:rPr>
+              <a:t>a4</a:t>
+            </a:r>
+            <a:r>
+              <a:rPr b="0" lang="en-GB" sz="1000" spc="-1" strike="noStrike">
+                <a:solidFill>
+                  <a:srgbClr val="ff8000"/>
+                </a:solidFill>
+                <a:latin typeface="Arial"/>
+              </a:rPr>
+              <a:t> \</a:t>
+            </a:r>
+            <a:r>
+              <a:rPr b="0" lang="en-GB" sz="1000" spc="-1" strike="noStrike">
+                <a:solidFill>
+                  <a:srgbClr val="ff8000"/>
+                </a:solidFill>
+                <a:latin typeface="Arial"/>
+              </a:rPr>
+              <a:t>/</a:t>
+            </a:r>
+            <a:endParaRPr b="0" lang="en-GB" sz="1000" spc="-1" strike="noStrike">
+              <a:latin typeface="Arial"/>
+            </a:endParaRPr>
+          </a:p>
+        </p:txBody>
+      </p:sp>
+      <p:sp>
+        <p:nvSpPr>
+          <p:cNvPr id="164" name="TextShape 18"/>
+          <p:cNvSpPr txBox="1"/>
+          <p:nvPr/>
+        </p:nvSpPr>
+        <p:spPr>
+          <a:xfrm>
+            <a:off x="576000" y="4663800"/>
+            <a:ext cx="425880" cy="232200"/>
+          </a:xfrm>
+          <a:prstGeom prst="rect">
+            <a:avLst/>
+          </a:prstGeom>
+          <a:noFill/>
+          <a:ln w="0">
+            <a:noFill/>
+          </a:ln>
+        </p:spPr>
+        <p:txBody>
+          <a:bodyPr lIns="90000" rIns="90000" tIns="45000" bIns="45000">
+            <a:noAutofit/>
+          </a:bodyPr>
+          <a:p>
+            <a:r>
+              <a:rPr b="0" lang="en-GB" sz="1000" spc="-1" strike="noStrike">
+                <a:solidFill>
+                  <a:srgbClr val="ff8000"/>
+                </a:solidFill>
+                <a:latin typeface="Arial"/>
+              </a:rPr>
+              <a:t>a5</a:t>
+            </a:r>
+            <a:r>
+              <a:rPr b="0" lang="en-GB" sz="1000" spc="-1" strike="noStrike">
+                <a:solidFill>
+                  <a:srgbClr val="ff8000"/>
+                </a:solidFill>
+                <a:latin typeface="Arial"/>
+              </a:rPr>
+              <a:t> \</a:t>
+            </a:r>
+            <a:r>
+              <a:rPr b="0" lang="en-GB" sz="1000" spc="-1" strike="noStrike">
+                <a:solidFill>
+                  <a:srgbClr val="ff8000"/>
+                </a:solidFill>
+                <a:latin typeface="Arial"/>
+              </a:rPr>
+              <a:t>/</a:t>
+            </a:r>
+            <a:endParaRPr b="0" lang="en-GB" sz="1000" spc="-1" strike="noStrike">
+              <a:latin typeface="Arial"/>
+            </a:endParaRPr>
+          </a:p>
+        </p:txBody>
+      </p:sp>
+      <p:sp>
+        <p:nvSpPr>
+          <p:cNvPr id="165" name="TextShape 19"/>
+          <p:cNvSpPr txBox="1"/>
+          <p:nvPr/>
+        </p:nvSpPr>
+        <p:spPr>
+          <a:xfrm>
+            <a:off x="689760" y="5076000"/>
+            <a:ext cx="425880" cy="232200"/>
+          </a:xfrm>
+          <a:prstGeom prst="rect">
+            <a:avLst/>
+          </a:prstGeom>
+          <a:noFill/>
+          <a:ln w="0">
+            <a:noFill/>
+          </a:ln>
+        </p:spPr>
+        <p:txBody>
+          <a:bodyPr lIns="90000" rIns="90000" tIns="45000" bIns="45000">
+            <a:noAutofit/>
+          </a:bodyPr>
+          <a:p>
+            <a:r>
+              <a:rPr b="0" lang="en-GB" sz="1000" spc="-1" strike="noStrike">
+                <a:solidFill>
+                  <a:srgbClr val="ff8000"/>
+                </a:solidFill>
+                <a:latin typeface="Arial"/>
+              </a:rPr>
+              <a:t>a7</a:t>
+            </a:r>
+            <a:r>
+              <a:rPr b="0" lang="en-GB" sz="1000" spc="-1" strike="noStrike">
+                <a:solidFill>
+                  <a:srgbClr val="ff8000"/>
+                </a:solidFill>
+                <a:latin typeface="Arial"/>
+              </a:rPr>
+              <a:t> \</a:t>
+            </a:r>
+            <a:r>
+              <a:rPr b="0" lang="en-GB" sz="1000" spc="-1" strike="noStrike">
+                <a:solidFill>
+                  <a:srgbClr val="ff8000"/>
+                </a:solidFill>
+                <a:latin typeface="Arial"/>
+              </a:rPr>
+              <a:t>/</a:t>
+            </a:r>
+            <a:endParaRPr b="0" lang="en-GB" sz="1000" spc="-1" strike="noStrike">
+              <a:latin typeface="Arial"/>
+            </a:endParaRPr>
+          </a:p>
+        </p:txBody>
+      </p:sp>
+      <p:sp>
+        <p:nvSpPr>
+          <p:cNvPr id="166" name="TextShape 20"/>
+          <p:cNvSpPr txBox="1"/>
+          <p:nvPr/>
+        </p:nvSpPr>
+        <p:spPr>
+          <a:xfrm>
+            <a:off x="4289760" y="3096000"/>
+            <a:ext cx="425880" cy="232200"/>
+          </a:xfrm>
+          <a:prstGeom prst="rect">
+            <a:avLst/>
+          </a:prstGeom>
+          <a:noFill/>
+          <a:ln w="0">
+            <a:noFill/>
+          </a:ln>
+        </p:spPr>
+        <p:txBody>
+          <a:bodyPr lIns="90000" rIns="90000" tIns="45000" bIns="45000">
+            <a:noAutofit/>
+          </a:bodyPr>
+          <a:p>
+            <a:r>
+              <a:rPr b="0" lang="en-GB" sz="1000" spc="-1" strike="noStrike">
+                <a:solidFill>
+                  <a:srgbClr val="ff8000"/>
+                </a:solidFill>
+                <a:latin typeface="Arial"/>
+              </a:rPr>
+              <a:t>a5</a:t>
+            </a:r>
+            <a:r>
+              <a:rPr b="0" lang="en-GB" sz="1000" spc="-1" strike="noStrike">
+                <a:solidFill>
+                  <a:srgbClr val="ff8000"/>
+                </a:solidFill>
+                <a:latin typeface="Arial"/>
+              </a:rPr>
+              <a:t> \/</a:t>
+            </a:r>
+            <a:endParaRPr b="0" lang="en-GB" sz="1000" spc="-1" strike="noStrike">
+              <a:latin typeface="Arial"/>
+            </a:endParaRPr>
+          </a:p>
+        </p:txBody>
+      </p:sp>
+      <p:sp>
+        <p:nvSpPr>
+          <p:cNvPr id="167" name="TextShape 21"/>
+          <p:cNvSpPr txBox="1"/>
+          <p:nvPr/>
+        </p:nvSpPr>
+        <p:spPr>
+          <a:xfrm>
+            <a:off x="4320000" y="3420000"/>
+            <a:ext cx="425880" cy="232200"/>
+          </a:xfrm>
+          <a:prstGeom prst="rect">
+            <a:avLst/>
+          </a:prstGeom>
+          <a:noFill/>
+          <a:ln w="0">
+            <a:noFill/>
+          </a:ln>
+        </p:spPr>
+        <p:txBody>
+          <a:bodyPr lIns="90000" rIns="90000" tIns="45000" bIns="45000">
+            <a:noAutofit/>
+          </a:bodyPr>
+          <a:p>
+            <a:r>
+              <a:rPr b="0" lang="en-GB" sz="1000" spc="-1" strike="noStrike">
+                <a:solidFill>
+                  <a:srgbClr val="ff8000"/>
+                </a:solidFill>
+                <a:latin typeface="Arial"/>
+              </a:rPr>
+              <a:t>a7</a:t>
+            </a:r>
+            <a:r>
+              <a:rPr b="0" lang="en-GB" sz="1000" spc="-1" strike="noStrike">
+                <a:solidFill>
+                  <a:srgbClr val="ff8000"/>
+                </a:solidFill>
+                <a:latin typeface="Arial"/>
+              </a:rPr>
+              <a:t> \/</a:t>
+            </a:r>
+            <a:endParaRPr b="0" lang="en-GB" sz="1000" spc="-1" strike="noStrike">
+              <a:latin typeface="Arial"/>
+            </a:endParaRPr>
+          </a:p>
+        </p:txBody>
+      </p:sp>
+      <p:sp>
+        <p:nvSpPr>
+          <p:cNvPr id="168" name="TextShape 22"/>
+          <p:cNvSpPr txBox="1"/>
+          <p:nvPr/>
+        </p:nvSpPr>
+        <p:spPr>
+          <a:xfrm>
+            <a:off x="5765760" y="4140000"/>
+            <a:ext cx="1218240" cy="513720"/>
+          </a:xfrm>
+          <a:prstGeom prst="rect">
+            <a:avLst/>
+          </a:prstGeom>
+          <a:noFill/>
+          <a:ln w="0">
+            <a:noFill/>
+          </a:ln>
+        </p:spPr>
+        <p:txBody>
+          <a:bodyPr lIns="90000" rIns="90000" tIns="45000" bIns="45000">
+            <a:noAutofit/>
+          </a:bodyPr>
+          <a:p>
+            <a:r>
+              <a:rPr b="0" lang="en-GB" sz="1500" spc="-1" strike="noStrike">
+                <a:solidFill>
+                  <a:srgbClr val="ff8000"/>
+                </a:solidFill>
+                <a:latin typeface="Arial"/>
+                <a:ea typeface="Bitstream Vera Sans"/>
+              </a:rPr>
+              <a:t>\/ </a:t>
+            </a:r>
+            <a:r>
+              <a:rPr b="0" lang="en-GB" sz="1500" spc="-1" strike="noStrike">
+                <a:solidFill>
+                  <a:srgbClr val="ff8000"/>
+                </a:solidFill>
+                <a:latin typeface="Arial"/>
+                <a:ea typeface="Bitstream Vera Sans"/>
+              </a:rPr>
+              <a:t>a5</a:t>
+            </a:r>
+            <a:r>
+              <a:rPr b="0" lang="en-GB" sz="1500" spc="-1" strike="noStrike">
+                <a:solidFill>
+                  <a:srgbClr val="ff8000"/>
+                </a:solidFill>
+                <a:latin typeface="Arial"/>
+                <a:ea typeface="Bitstream Vera Sans"/>
+              </a:rPr>
+              <a:t> \/ </a:t>
+            </a:r>
+            <a:r>
+              <a:rPr b="0" lang="en-GB" sz="1500" spc="-1" strike="noStrike">
+                <a:solidFill>
+                  <a:srgbClr val="ff8000"/>
+                </a:solidFill>
+                <a:latin typeface="Arial"/>
+              </a:rPr>
+              <a:t>a7</a:t>
+            </a:r>
+            <a:endParaRPr b="0" lang="en-GB" sz="1500" spc="-1" strike="noStrike">
+              <a:solidFill>
+                <a:srgbClr val="ff8000"/>
+              </a:solidFill>
+              <a:latin typeface="Arial"/>
+            </a:endParaRPr>
+          </a:p>
+        </p:txBody>
+      </p:sp>
+      <p:sp>
+        <p:nvSpPr>
+          <p:cNvPr id="169" name="TextShape 23"/>
+          <p:cNvSpPr txBox="1"/>
+          <p:nvPr/>
+        </p:nvSpPr>
+        <p:spPr>
+          <a:xfrm>
+            <a:off x="3096000" y="4716000"/>
+            <a:ext cx="1260000" cy="232200"/>
+          </a:xfrm>
+          <a:prstGeom prst="rect">
+            <a:avLst/>
+          </a:prstGeom>
+          <a:noFill/>
+          <a:ln w="0">
+            <a:noFill/>
+          </a:ln>
+        </p:spPr>
+        <p:txBody>
+          <a:bodyPr lIns="90000" rIns="90000" tIns="45000" bIns="45000">
+            <a:noAutofit/>
+          </a:bodyPr>
+          <a:p>
+            <a:r>
+              <a:rPr b="0" lang="en-GB" sz="1000" spc="-1" strike="noStrike">
+                <a:solidFill>
+                  <a:srgbClr val="ff8000"/>
+                </a:solidFill>
+                <a:latin typeface="Arial"/>
+                <a:ea typeface="Bitstream Vera Sans"/>
+              </a:rPr>
+              <a:t>\/  </a:t>
+            </a:r>
+            <a:r>
+              <a:rPr b="0" lang="en-GB" sz="1000" spc="-1" strike="noStrike">
+                <a:solidFill>
+                  <a:srgbClr val="ff8000"/>
+                </a:solidFill>
+                <a:latin typeface="Arial"/>
+                <a:ea typeface="Bitstream Vera Sans"/>
+              </a:rPr>
+              <a:t>a5</a:t>
+            </a:r>
+            <a:r>
+              <a:rPr b="0" lang="en-GB" sz="1000" spc="-1" strike="noStrike">
+                <a:solidFill>
+                  <a:srgbClr val="ff8000"/>
+                </a:solidFill>
+                <a:latin typeface="Arial"/>
+                <a:ea typeface="Bitstream Vera Sans"/>
+              </a:rPr>
+              <a:t> \/ </a:t>
+            </a:r>
+            <a:r>
+              <a:rPr b="0" lang="en-GB" sz="1000" spc="-1" strike="noStrike">
+                <a:solidFill>
+                  <a:srgbClr val="ff8000"/>
+                </a:solidFill>
+                <a:latin typeface="Arial"/>
+              </a:rPr>
+              <a:t>a7</a:t>
+            </a:r>
+            <a:endParaRPr b="0" lang="en-GB" sz="1000" spc="-1" strike="noStrike">
+              <a:latin typeface="Arial"/>
+            </a:endParaRPr>
+          </a:p>
+        </p:txBody>
+      </p:sp>
+      <p:sp>
+        <p:nvSpPr>
+          <p:cNvPr id="170" name="TextShape 24"/>
+          <p:cNvSpPr txBox="1"/>
+          <p:nvPr/>
+        </p:nvSpPr>
+        <p:spPr>
+          <a:xfrm>
+            <a:off x="3024000" y="4284360"/>
+            <a:ext cx="1260000" cy="232200"/>
+          </a:xfrm>
+          <a:prstGeom prst="rect">
+            <a:avLst/>
+          </a:prstGeom>
+          <a:noFill/>
+          <a:ln w="0">
+            <a:noFill/>
+          </a:ln>
+        </p:spPr>
+        <p:txBody>
+          <a:bodyPr lIns="90000" rIns="90000" tIns="45000" bIns="45000">
+            <a:noAutofit/>
+          </a:bodyPr>
+          <a:p>
+            <a:r>
+              <a:rPr b="0" lang="en-GB" sz="1000" spc="-1" strike="noStrike">
+                <a:solidFill>
+                  <a:srgbClr val="ff8000"/>
+                </a:solidFill>
+                <a:latin typeface="Arial"/>
+                <a:ea typeface="Bitstream Vera Sans"/>
+              </a:rPr>
+              <a:t> </a:t>
+            </a:r>
+            <a:r>
+              <a:rPr b="0" lang="en-GB" sz="1000" spc="-1" strike="noStrike">
+                <a:solidFill>
+                  <a:srgbClr val="ff8000"/>
+                </a:solidFill>
+                <a:latin typeface="Arial"/>
+                <a:ea typeface="Bitstream Vera Sans"/>
+              </a:rPr>
+              <a:t>\/   </a:t>
+            </a:r>
+            <a:r>
+              <a:rPr b="0" lang="en-GB" sz="1000" spc="-1" strike="noStrike">
+                <a:solidFill>
+                  <a:srgbClr val="ff8000"/>
+                </a:solidFill>
+                <a:latin typeface="Arial"/>
+                <a:ea typeface="Bitstream Vera Sans"/>
+              </a:rPr>
+              <a:t>a4</a:t>
+            </a:r>
+            <a:r>
+              <a:rPr b="0" lang="en-GB" sz="1000" spc="-1" strike="noStrike">
+                <a:solidFill>
+                  <a:srgbClr val="ff8000"/>
+                </a:solidFill>
+                <a:latin typeface="Arial"/>
+                <a:ea typeface="Bitstream Vera Sans"/>
+              </a:rPr>
+              <a:t> </a:t>
+            </a:r>
+            <a:r>
+              <a:rPr b="0" lang="en-GB" sz="1000" spc="-1" strike="noStrike">
+                <a:solidFill>
+                  <a:srgbClr val="ff8000"/>
+                </a:solidFill>
+                <a:latin typeface="Arial"/>
+                <a:ea typeface="Bitstream Vera Sans"/>
+              </a:rPr>
+              <a:t>\/ </a:t>
+            </a:r>
+            <a:r>
+              <a:rPr b="0" lang="en-GB" sz="1000" spc="-1" strike="noStrike">
+                <a:solidFill>
+                  <a:srgbClr val="ff8000"/>
+                </a:solidFill>
+                <a:latin typeface="Arial"/>
+                <a:ea typeface="Bitstream Vera Sans"/>
+              </a:rPr>
+              <a:t>a5</a:t>
+            </a:r>
+            <a:r>
+              <a:rPr b="0" lang="en-GB" sz="1000" spc="-1" strike="noStrike">
+                <a:solidFill>
+                  <a:srgbClr val="ff8000"/>
+                </a:solidFill>
+                <a:latin typeface="Arial"/>
+                <a:ea typeface="Bitstream Vera Sans"/>
+              </a:rPr>
+              <a:t> \/ </a:t>
+            </a:r>
+            <a:r>
+              <a:rPr b="0" lang="en-GB" sz="1000" spc="-1" strike="noStrike">
+                <a:solidFill>
+                  <a:srgbClr val="ff8000"/>
+                </a:solidFill>
+                <a:latin typeface="Arial"/>
+              </a:rPr>
+              <a:t>a7</a:t>
+            </a:r>
+            <a:endParaRPr b="0" lang="en-GB" sz="1000" spc="-1" strike="noStrike">
+              <a:latin typeface="Arial"/>
+            </a:endParaRPr>
+          </a:p>
+        </p:txBody>
+      </p:sp>
+      <p:sp>
+        <p:nvSpPr>
+          <p:cNvPr id="171" name="TextShape 25"/>
+          <p:cNvSpPr txBox="1"/>
+          <p:nvPr/>
+        </p:nvSpPr>
+        <p:spPr>
+          <a:xfrm>
+            <a:off x="1800000" y="1567800"/>
+            <a:ext cx="534240" cy="232200"/>
+          </a:xfrm>
+          <a:prstGeom prst="rect">
+            <a:avLst/>
+          </a:prstGeom>
+          <a:noFill/>
+          <a:ln w="0">
+            <a:solidFill>
+              <a:srgbClr val="729fcf"/>
+            </a:solidFill>
+          </a:ln>
+        </p:spPr>
+        <p:txBody>
+          <a:bodyPr lIns="90000" rIns="90000" tIns="45000" bIns="45000">
+            <a:noAutofit/>
+          </a:bodyPr>
+          <a:p>
+            <a:r>
+              <a:rPr b="0" lang="en-GB" sz="1000" spc="-1" strike="noStrike">
+                <a:solidFill>
+                  <a:srgbClr val="ff8000"/>
+                </a:solidFill>
+                <a:latin typeface="Arial"/>
+              </a:rPr>
+              <a:t>a1 = 1</a:t>
+            </a:r>
+            <a:endParaRPr b="0" lang="en-GB" sz="1000" spc="-1" strike="noStrike">
+              <a:latin typeface="Arial"/>
+            </a:endParaRPr>
+          </a:p>
+        </p:txBody>
+      </p:sp>
+      <p:sp>
+        <p:nvSpPr>
+          <p:cNvPr id="172" name="TextShape 26"/>
+          <p:cNvSpPr txBox="1"/>
+          <p:nvPr/>
+        </p:nvSpPr>
+        <p:spPr>
+          <a:xfrm>
+            <a:off x="1800000" y="1784160"/>
+            <a:ext cx="534240" cy="232200"/>
+          </a:xfrm>
+          <a:prstGeom prst="rect">
+            <a:avLst/>
+          </a:prstGeom>
+          <a:noFill/>
+          <a:ln w="0">
+            <a:solidFill>
+              <a:srgbClr val="729fcf"/>
+            </a:solidFill>
+          </a:ln>
+        </p:spPr>
+        <p:txBody>
+          <a:bodyPr lIns="90000" rIns="90000" tIns="45000" bIns="45000">
+            <a:noAutofit/>
+          </a:bodyPr>
+          <a:p>
+            <a:r>
+              <a:rPr b="0" lang="en-GB" sz="1000" spc="-1" strike="noStrike">
+                <a:solidFill>
+                  <a:srgbClr val="ff8000"/>
+                </a:solidFill>
+                <a:latin typeface="Arial"/>
+              </a:rPr>
+              <a:t>a2 = 1</a:t>
+            </a:r>
+            <a:endParaRPr b="0" lang="en-GB" sz="1000" spc="-1" strike="noStrike">
+              <a:latin typeface="Arial"/>
+            </a:endParaRPr>
+          </a:p>
+        </p:txBody>
+      </p:sp>
+      <p:sp>
+        <p:nvSpPr>
+          <p:cNvPr id="173" name="TextShape 27"/>
+          <p:cNvSpPr txBox="1"/>
+          <p:nvPr/>
+        </p:nvSpPr>
+        <p:spPr>
+          <a:xfrm>
+            <a:off x="1800000" y="2000520"/>
+            <a:ext cx="534240" cy="232200"/>
+          </a:xfrm>
+          <a:prstGeom prst="rect">
+            <a:avLst/>
+          </a:prstGeom>
+          <a:noFill/>
+          <a:ln w="0">
+            <a:solidFill>
+              <a:srgbClr val="729fcf"/>
+            </a:solidFill>
+          </a:ln>
+        </p:spPr>
+        <p:txBody>
+          <a:bodyPr lIns="90000" rIns="90000" tIns="45000" bIns="45000">
+            <a:noAutofit/>
+          </a:bodyPr>
+          <a:p>
+            <a:r>
+              <a:rPr b="0" lang="en-GB" sz="1000" spc="-1" strike="noStrike">
+                <a:solidFill>
+                  <a:srgbClr val="ff8000"/>
+                </a:solidFill>
+                <a:latin typeface="Arial"/>
+              </a:rPr>
+              <a:t>a3 = 1</a:t>
+            </a:r>
+            <a:endParaRPr b="0" lang="en-GB" sz="1000" spc="-1" strike="noStrike">
+              <a:latin typeface="Arial"/>
+            </a:endParaRPr>
+          </a:p>
+        </p:txBody>
+      </p:sp>
+      <p:sp>
+        <p:nvSpPr>
+          <p:cNvPr id="174" name="TextShape 28"/>
+          <p:cNvSpPr txBox="1"/>
+          <p:nvPr/>
+        </p:nvSpPr>
+        <p:spPr>
+          <a:xfrm>
+            <a:off x="1800000" y="2216880"/>
+            <a:ext cx="534240" cy="232200"/>
+          </a:xfrm>
+          <a:prstGeom prst="rect">
+            <a:avLst/>
+          </a:prstGeom>
+          <a:noFill/>
+          <a:ln w="0">
+            <a:solidFill>
+              <a:srgbClr val="729fcf"/>
+            </a:solidFill>
+          </a:ln>
+        </p:spPr>
+        <p:txBody>
+          <a:bodyPr lIns="90000" rIns="90000" tIns="45000" bIns="45000">
+            <a:noAutofit/>
+          </a:bodyPr>
+          <a:p>
+            <a:r>
+              <a:rPr b="0" lang="en-GB" sz="1000" spc="-1" strike="noStrike">
+                <a:solidFill>
+                  <a:srgbClr val="ff8000"/>
+                </a:solidFill>
+                <a:latin typeface="Arial"/>
+              </a:rPr>
+              <a:t>a4 = 1</a:t>
+            </a:r>
+            <a:endParaRPr b="0" lang="en-GB" sz="1000" spc="-1" strike="noStrike">
+              <a:latin typeface="Arial"/>
+            </a:endParaRPr>
+          </a:p>
+        </p:txBody>
+      </p:sp>
+      <p:sp>
+        <p:nvSpPr>
+          <p:cNvPr id="175" name="TextShape 29"/>
+          <p:cNvSpPr txBox="1"/>
+          <p:nvPr/>
+        </p:nvSpPr>
+        <p:spPr>
+          <a:xfrm>
+            <a:off x="1800000" y="2433240"/>
+            <a:ext cx="534240" cy="232200"/>
+          </a:xfrm>
+          <a:prstGeom prst="rect">
+            <a:avLst/>
+          </a:prstGeom>
+          <a:noFill/>
+          <a:ln w="0">
+            <a:solidFill>
+              <a:srgbClr val="729fcf"/>
+            </a:solidFill>
+          </a:ln>
+        </p:spPr>
+        <p:txBody>
+          <a:bodyPr lIns="90000" rIns="90000" tIns="45000" bIns="45000">
+            <a:noAutofit/>
+          </a:bodyPr>
+          <a:p>
+            <a:r>
+              <a:rPr b="0" lang="en-GB" sz="1000" spc="-1" strike="noStrike">
+                <a:solidFill>
+                  <a:srgbClr val="ff8000"/>
+                </a:solidFill>
+                <a:latin typeface="Arial"/>
+              </a:rPr>
+              <a:t>a5 = 1</a:t>
+            </a:r>
+            <a:endParaRPr b="0" lang="en-GB" sz="1000" spc="-1" strike="noStrike">
+              <a:latin typeface="Arial"/>
+            </a:endParaRPr>
+          </a:p>
+        </p:txBody>
+      </p:sp>
+      <p:sp>
+        <p:nvSpPr>
+          <p:cNvPr id="176" name="TextShape 30"/>
+          <p:cNvSpPr txBox="1"/>
+          <p:nvPr/>
+        </p:nvSpPr>
+        <p:spPr>
+          <a:xfrm>
+            <a:off x="1800000" y="2649600"/>
+            <a:ext cx="534240" cy="232200"/>
+          </a:xfrm>
+          <a:prstGeom prst="rect">
+            <a:avLst/>
+          </a:prstGeom>
+          <a:noFill/>
+          <a:ln w="0">
+            <a:solidFill>
+              <a:srgbClr val="729fcf"/>
+            </a:solidFill>
+          </a:ln>
+        </p:spPr>
+        <p:txBody>
+          <a:bodyPr lIns="90000" rIns="90000" tIns="45000" bIns="45000">
+            <a:noAutofit/>
+          </a:bodyPr>
+          <a:p>
+            <a:r>
+              <a:rPr b="0" lang="en-GB" sz="1000" spc="-1" strike="noStrike">
+                <a:solidFill>
+                  <a:srgbClr val="ff8000"/>
+                </a:solidFill>
+                <a:latin typeface="Arial"/>
+              </a:rPr>
+              <a:t>a6 = 1</a:t>
+            </a:r>
+            <a:endParaRPr b="0" lang="en-GB" sz="1000" spc="-1" strike="noStrike">
+              <a:latin typeface="Arial"/>
+            </a:endParaRPr>
+          </a:p>
+        </p:txBody>
+      </p:sp>
+      <p:sp>
+        <p:nvSpPr>
+          <p:cNvPr id="177" name="TextShape 31"/>
+          <p:cNvSpPr txBox="1"/>
+          <p:nvPr/>
+        </p:nvSpPr>
+        <p:spPr>
+          <a:xfrm>
+            <a:off x="1800000" y="2865960"/>
+            <a:ext cx="534240" cy="232200"/>
+          </a:xfrm>
+          <a:prstGeom prst="rect">
+            <a:avLst/>
+          </a:prstGeom>
+          <a:noFill/>
+          <a:ln w="0">
+            <a:solidFill>
+              <a:srgbClr val="729fcf"/>
+            </a:solidFill>
+          </a:ln>
+        </p:spPr>
+        <p:txBody>
+          <a:bodyPr lIns="90000" rIns="90000" tIns="45000" bIns="45000">
+            <a:noAutofit/>
+          </a:bodyPr>
+          <a:p>
+            <a:r>
+              <a:rPr b="0" lang="en-GB" sz="1000" spc="-1" strike="noStrike">
+                <a:solidFill>
+                  <a:srgbClr val="ff8000"/>
+                </a:solidFill>
+                <a:latin typeface="Arial"/>
+              </a:rPr>
+              <a:t>a7 = 1</a:t>
+            </a:r>
+            <a:endParaRPr b="0" lang="en-GB" sz="1000" spc="-1" strike="noStrike">
+              <a:latin typeface="Arial"/>
+            </a:endParaRPr>
+          </a:p>
+        </p:txBody>
+      </p:sp>
+      <p:sp>
+        <p:nvSpPr>
+          <p:cNvPr id="178" name="TextShape 32"/>
+          <p:cNvSpPr txBox="1"/>
+          <p:nvPr/>
+        </p:nvSpPr>
+        <p:spPr>
+          <a:xfrm>
+            <a:off x="1800000" y="3082320"/>
+            <a:ext cx="534240" cy="232200"/>
+          </a:xfrm>
+          <a:prstGeom prst="rect">
+            <a:avLst/>
+          </a:prstGeom>
+          <a:noFill/>
+          <a:ln w="0">
+            <a:solidFill>
+              <a:srgbClr val="729fcf"/>
+            </a:solidFill>
+          </a:ln>
+        </p:spPr>
+        <p:txBody>
+          <a:bodyPr lIns="90000" rIns="90000" tIns="45000" bIns="45000">
+            <a:noAutofit/>
+          </a:bodyPr>
+          <a:p>
+            <a:r>
+              <a:rPr b="0" lang="en-GB" sz="1000" spc="-1" strike="noStrike">
+                <a:solidFill>
+                  <a:srgbClr val="ff8000"/>
+                </a:solidFill>
+                <a:latin typeface="Arial"/>
+              </a:rPr>
+              <a:t>a8 = 1</a:t>
+            </a:r>
+            <a:endParaRPr b="0" lang="en-GB" sz="1000" spc="-1" strike="noStrike">
+              <a:latin typeface="Arial"/>
+            </a:endParaRPr>
+          </a:p>
+        </p:txBody>
+      </p:sp>
+      <p:sp>
+        <p:nvSpPr>
+          <p:cNvPr id="179" name="TextShape 33"/>
+          <p:cNvSpPr txBox="1"/>
+          <p:nvPr/>
+        </p:nvSpPr>
+        <p:spPr>
+          <a:xfrm>
+            <a:off x="1800000" y="3298680"/>
+            <a:ext cx="534240" cy="232200"/>
+          </a:xfrm>
+          <a:prstGeom prst="rect">
+            <a:avLst/>
+          </a:prstGeom>
+          <a:noFill/>
+          <a:ln w="0">
+            <a:solidFill>
+              <a:srgbClr val="729fcf"/>
+            </a:solidFill>
+          </a:ln>
+        </p:spPr>
+        <p:txBody>
+          <a:bodyPr lIns="90000" rIns="90000" tIns="45000" bIns="45000">
+            <a:noAutofit/>
+          </a:bodyPr>
+          <a:p>
+            <a:r>
+              <a:rPr b="0" lang="en-GB" sz="1000" spc="-1" strike="noStrike">
+                <a:solidFill>
+                  <a:srgbClr val="ff8000"/>
+                </a:solidFill>
+                <a:latin typeface="Arial"/>
+              </a:rPr>
+              <a:t>a9 = 1</a:t>
+            </a:r>
+            <a:endParaRPr b="0" lang="en-GB" sz="1000" spc="-1" strike="noStrike">
+              <a:latin typeface="Arial"/>
+            </a:endParaRPr>
+          </a:p>
+        </p:txBody>
+      </p:sp>
+    </p:spTree>
+  </p:cSld>
+  <mc:AlternateContent>
+    <mc:Choice Requires="p14">
+      <p:transition spd="slow" p14:dur="2000"/>
+    </mc:Choice>
+    <mc:Fallback>
+      <p:transition spd="slow"/>
+    </mc:Fallback>
+  </mc:AlternateContent>
+</p:sld>
+</file>
+
+<file path=ppt/slides/slide9.xml><?xml version="1.0" encoding="utf-8"?>
+<p:sld xmlns:a="http://schemas.openxmlformats.org/drawingml/2006/main" xmlns:p="http://schemas.openxmlformats.org/presentationml/2006/main" xmlns:r="http://schemas.openxmlformats.org/officeDocument/2006/relationships" xmlns:p14="http://schemas.microsoft.com/office/powerpoint/2010/main" xmlns:p15="http://schemas.microsoft.com/office/powerpoint/2012/main" xmlns:mc="http://schemas.openxmlformats.org/markup-compatibility/2006">
+  <p:cSld>
+    <p:spTree>
+      <p:nvGrpSpPr>
+        <p:cNvPr id="1" name=""/>
+        <p:cNvGrpSpPr/>
+        <p:nvPr/>
+      </p:nvGrpSpPr>
+      <p:grpSpPr>
+        <a:xfrm>
+          <a:off x="0" y="0"/>
+          <a:ext cx="0" cy="0"/>
+          <a:chOff x="0" y="0"/>
+          <a:chExt cx="0" cy="0"/>
+        </a:xfrm>
+      </p:grpSpPr>
+      <p:sp>
+        <p:nvSpPr>
+          <p:cNvPr id="180" name="TextShape 1"/>
+          <p:cNvSpPr txBox="1"/>
+          <p:nvPr/>
+        </p:nvSpPr>
+        <p:spPr>
+          <a:xfrm>
+            <a:off x="360" y="-360000"/>
+            <a:ext cx="10731240" cy="6035760"/>
+          </a:xfrm>
+          <a:prstGeom prst="rect">
+            <a:avLst/>
+          </a:prstGeom>
+          <a:blipFill rotWithShape="0">
+            <a:blip r:embed="rId1"/>
+            <a:stretch/>
+          </a:blipFill>
+          <a:ln w="0">
+            <a:noFill/>
+          </a:ln>
+        </p:spPr>
+        <p:txBody>
+          <a:bodyPr lIns="90000" rIns="90000" tIns="45000" bIns="45000" anchor="ctr" anchorCtr="1">
+            <a:noAutofit/>
+          </a:bodyPr>
+          <a:p>
+            <a:pPr algn="ctr"/>
+            <a:r>
+              <a:rPr b="0" lang="en-GB" sz="1800" spc="-1" strike="noStrike">
+                <a:latin typeface="Arial"/>
+              </a:rPr>
+              <a:t>`</a:t>
+            </a:r>
+            <a:endParaRPr b="0" lang="en-GB" sz="1800" spc="-1" strike="noStrike">
+              <a:latin typeface="Arial"/>
+            </a:endParaRPr>
+          </a:p>
+        </p:txBody>
+      </p:sp>
+      <p:sp>
+        <p:nvSpPr>
+          <p:cNvPr id="181" name="CustomShape 2"/>
+          <p:cNvSpPr/>
+          <p:nvPr/>
+        </p:nvSpPr>
+        <p:spPr>
+          <a:xfrm>
+            <a:off x="3711600" y="4500000"/>
+            <a:ext cx="6908400" cy="900000"/>
+          </a:xfrm>
+          <a:prstGeom prst="rect">
+            <a:avLst/>
+          </a:prstGeom>
+          <a:solidFill>
+            <a:srgbClr val="ffffff"/>
+          </a:solidFill>
+          <a:ln w="0">
+            <a:noFill/>
+          </a:ln>
+        </p:spPr>
+        <p:style>
+          <a:lnRef idx="0"/>
+          <a:fillRef idx="0"/>
+          <a:effectRef idx="0"/>
+          <a:fontRef idx="minor"/>
+        </p:style>
+      </p:sp>
+      <p:sp>
+        <p:nvSpPr>
+          <p:cNvPr id="182" name="CustomShape 3"/>
+          <p:cNvSpPr/>
+          <p:nvPr/>
+        </p:nvSpPr>
+        <p:spPr>
+          <a:xfrm>
+            <a:off x="180000" y="360000"/>
+            <a:ext cx="10080000" cy="821160"/>
+          </a:xfrm>
+          <a:prstGeom prst="rect">
+            <a:avLst/>
+          </a:prstGeom>
+          <a:solidFill>
+            <a:srgbClr val="ffffff"/>
+          </a:solidFill>
+          <a:ln w="0">
+            <a:noFill/>
+          </a:ln>
+        </p:spPr>
+        <p:style>
+          <a:lnRef idx="0"/>
+          <a:fillRef idx="0"/>
+          <a:effectRef idx="0"/>
+          <a:fontRef idx="minor"/>
+        </p:style>
+        <p:txBody>
+          <a:bodyPr wrap="none" lIns="90000" rIns="90000" tIns="45000" bIns="45000" anchor="ctr">
+            <a:noAutofit/>
+          </a:bodyPr>
+          <a:p>
+            <a:r>
+              <a:rPr b="1" lang="en-GB" sz="2800" spc="-1" strike="noStrike">
+                <a:solidFill>
+                  <a:srgbClr val="ff8000"/>
+                </a:solidFill>
+                <a:latin typeface="Arial"/>
+              </a:rPr>
+              <a:t>Assumption variables</a:t>
+            </a:r>
+            <a:endParaRPr b="1" lang="en-GB" sz="2800" spc="-1" strike="noStrike">
+              <a:solidFill>
+                <a:srgbClr val="ff8000"/>
+              </a:solidFill>
+              <a:latin typeface="Arial"/>
+            </a:endParaRPr>
+          </a:p>
+        </p:txBody>
+      </p:sp>
+      <p:sp>
+        <p:nvSpPr>
+          <p:cNvPr id="183" name="TextShape 4"/>
+          <p:cNvSpPr txBox="1"/>
+          <p:nvPr/>
+        </p:nvSpPr>
+        <p:spPr>
+          <a:xfrm>
+            <a:off x="560880" y="1116000"/>
+            <a:ext cx="425880" cy="232200"/>
+          </a:xfrm>
+          <a:prstGeom prst="rect">
+            <a:avLst/>
+          </a:prstGeom>
+          <a:noFill/>
+          <a:ln w="0">
+            <a:noFill/>
+          </a:ln>
+        </p:spPr>
+        <p:txBody>
+          <a:bodyPr lIns="90000" rIns="90000" tIns="45000" bIns="45000">
+            <a:noAutofit/>
+          </a:bodyPr>
+          <a:p>
+            <a:r>
+              <a:rPr b="0" lang="en-GB" sz="1000" spc="-1" strike="noStrike">
+                <a:solidFill>
+                  <a:srgbClr val="ff8000"/>
+                </a:solidFill>
+                <a:latin typeface="Arial"/>
+              </a:rPr>
+              <a:t>a1</a:t>
+            </a:r>
+            <a:r>
+              <a:rPr b="0" lang="en-GB" sz="1000" spc="-1" strike="noStrike">
+                <a:solidFill>
+                  <a:srgbClr val="ff8000"/>
+                </a:solidFill>
+                <a:latin typeface="Arial"/>
+              </a:rPr>
+              <a:t> \/</a:t>
+            </a:r>
+            <a:endParaRPr b="0" lang="en-GB" sz="1000" spc="-1" strike="noStrike">
+              <a:latin typeface="Arial"/>
+            </a:endParaRPr>
+          </a:p>
+        </p:txBody>
+      </p:sp>
+      <p:sp>
+        <p:nvSpPr>
+          <p:cNvPr id="184" name="TextShape 5"/>
+          <p:cNvSpPr txBox="1"/>
+          <p:nvPr/>
+        </p:nvSpPr>
+        <p:spPr>
+          <a:xfrm>
+            <a:off x="1568880" y="1116360"/>
+            <a:ext cx="425880" cy="232200"/>
+          </a:xfrm>
+          <a:prstGeom prst="rect">
+            <a:avLst/>
+          </a:prstGeom>
+          <a:noFill/>
+          <a:ln w="0">
+            <a:noFill/>
+          </a:ln>
+        </p:spPr>
+        <p:txBody>
+          <a:bodyPr lIns="90000" rIns="90000" tIns="45000" bIns="45000">
+            <a:noAutofit/>
+          </a:bodyPr>
+          <a:p>
+            <a:r>
+              <a:rPr b="0" lang="en-GB" sz="1000" spc="-1" strike="noStrike">
+                <a:solidFill>
+                  <a:srgbClr val="ff8000"/>
+                </a:solidFill>
+                <a:latin typeface="Arial"/>
+              </a:rPr>
+              <a:t>a2</a:t>
+            </a:r>
+            <a:r>
+              <a:rPr b="0" lang="en-GB" sz="1000" spc="-1" strike="noStrike">
+                <a:solidFill>
+                  <a:srgbClr val="ff8000"/>
+                </a:solidFill>
+                <a:latin typeface="Arial"/>
+              </a:rPr>
+              <a:t> \/</a:t>
+            </a:r>
+            <a:endParaRPr b="0" lang="en-GB" sz="1000" spc="-1" strike="noStrike">
+              <a:latin typeface="Arial"/>
+            </a:endParaRPr>
+          </a:p>
+        </p:txBody>
+      </p:sp>
+      <p:sp>
+        <p:nvSpPr>
+          <p:cNvPr id="185" name="TextShape 6"/>
+          <p:cNvSpPr txBox="1"/>
+          <p:nvPr/>
+        </p:nvSpPr>
+        <p:spPr>
+          <a:xfrm>
+            <a:off x="2504880" y="1116720"/>
+            <a:ext cx="425880" cy="232200"/>
+          </a:xfrm>
+          <a:prstGeom prst="rect">
+            <a:avLst/>
+          </a:prstGeom>
+          <a:noFill/>
+          <a:ln w="0">
+            <a:noFill/>
+          </a:ln>
+        </p:spPr>
+        <p:txBody>
+          <a:bodyPr lIns="90000" rIns="90000" tIns="45000" bIns="45000">
+            <a:noAutofit/>
+          </a:bodyPr>
+          <a:p>
+            <a:r>
+              <a:rPr b="0" lang="en-GB" sz="1000" spc="-1" strike="noStrike">
+                <a:solidFill>
+                  <a:srgbClr val="ff8000"/>
+                </a:solidFill>
+                <a:latin typeface="Arial"/>
+              </a:rPr>
+              <a:t>a3</a:t>
+            </a:r>
+            <a:r>
+              <a:rPr b="0" lang="en-GB" sz="1000" spc="-1" strike="noStrike">
+                <a:solidFill>
+                  <a:srgbClr val="ff8000"/>
+                </a:solidFill>
+                <a:latin typeface="Arial"/>
+              </a:rPr>
+              <a:t> \/</a:t>
+            </a:r>
+            <a:endParaRPr b="0" lang="en-GB" sz="1000" spc="-1" strike="noStrike">
+              <a:latin typeface="Arial"/>
+            </a:endParaRPr>
+          </a:p>
+        </p:txBody>
+      </p:sp>
+      <p:sp>
+        <p:nvSpPr>
+          <p:cNvPr id="186" name="TextShape 7"/>
+          <p:cNvSpPr txBox="1"/>
+          <p:nvPr/>
+        </p:nvSpPr>
+        <p:spPr>
+          <a:xfrm>
+            <a:off x="3548880" y="1117080"/>
+            <a:ext cx="425880" cy="232200"/>
+          </a:xfrm>
+          <a:prstGeom prst="rect">
+            <a:avLst/>
+          </a:prstGeom>
+          <a:noFill/>
+          <a:ln w="0">
+            <a:noFill/>
+          </a:ln>
+        </p:spPr>
+        <p:txBody>
+          <a:bodyPr lIns="90000" rIns="90000" tIns="45000" bIns="45000">
+            <a:noAutofit/>
+          </a:bodyPr>
+          <a:p>
+            <a:r>
+              <a:rPr b="0" lang="en-GB" sz="1000" spc="-1" strike="noStrike">
+                <a:solidFill>
+                  <a:srgbClr val="ff8000"/>
+                </a:solidFill>
+                <a:latin typeface="Arial"/>
+              </a:rPr>
+              <a:t>a4</a:t>
+            </a:r>
+            <a:r>
+              <a:rPr b="0" lang="en-GB" sz="1000" spc="-1" strike="noStrike">
+                <a:solidFill>
+                  <a:srgbClr val="ff8000"/>
+                </a:solidFill>
+                <a:latin typeface="Arial"/>
+              </a:rPr>
+              <a:t> \/</a:t>
+            </a:r>
+            <a:endParaRPr b="0" lang="en-GB" sz="1000" spc="-1" strike="noStrike">
+              <a:latin typeface="Arial"/>
+            </a:endParaRPr>
+          </a:p>
+        </p:txBody>
+      </p:sp>
+      <p:sp>
+        <p:nvSpPr>
+          <p:cNvPr id="187" name="TextShape 8"/>
+          <p:cNvSpPr txBox="1"/>
+          <p:nvPr/>
+        </p:nvSpPr>
+        <p:spPr>
+          <a:xfrm>
+            <a:off x="4916880" y="1117440"/>
+            <a:ext cx="425880" cy="232200"/>
+          </a:xfrm>
+          <a:prstGeom prst="rect">
+            <a:avLst/>
+          </a:prstGeom>
+          <a:noFill/>
+          <a:ln w="0">
+            <a:noFill/>
+          </a:ln>
+        </p:spPr>
+        <p:txBody>
+          <a:bodyPr lIns="90000" rIns="90000" tIns="45000" bIns="45000">
+            <a:noAutofit/>
+          </a:bodyPr>
+          <a:p>
+            <a:r>
+              <a:rPr b="0" lang="en-GB" sz="1000" spc="-1" strike="noStrike">
+                <a:solidFill>
+                  <a:srgbClr val="ff8000"/>
+                </a:solidFill>
+                <a:latin typeface="Arial"/>
+              </a:rPr>
+              <a:t>a5</a:t>
+            </a:r>
+            <a:r>
+              <a:rPr b="0" lang="en-GB" sz="1000" spc="-1" strike="noStrike">
+                <a:solidFill>
+                  <a:srgbClr val="ff8000"/>
+                </a:solidFill>
+                <a:latin typeface="Arial"/>
+              </a:rPr>
+              <a:t> \/</a:t>
+            </a:r>
+            <a:endParaRPr b="0" lang="en-GB" sz="1000" spc="-1" strike="noStrike">
+              <a:latin typeface="Arial"/>
+            </a:endParaRPr>
+          </a:p>
+        </p:txBody>
+      </p:sp>
+      <p:sp>
+        <p:nvSpPr>
+          <p:cNvPr id="188" name="TextShape 9"/>
+          <p:cNvSpPr txBox="1"/>
+          <p:nvPr/>
+        </p:nvSpPr>
+        <p:spPr>
+          <a:xfrm>
+            <a:off x="6248880" y="1117800"/>
+            <a:ext cx="425880" cy="232200"/>
+          </a:xfrm>
+          <a:prstGeom prst="rect">
+            <a:avLst/>
+          </a:prstGeom>
+          <a:noFill/>
+          <a:ln w="0">
+            <a:noFill/>
+          </a:ln>
+        </p:spPr>
+        <p:txBody>
+          <a:bodyPr lIns="90000" rIns="90000" tIns="45000" bIns="45000">
+            <a:noAutofit/>
+          </a:bodyPr>
+          <a:p>
+            <a:r>
+              <a:rPr b="0" lang="en-GB" sz="1000" spc="-1" strike="noStrike">
+                <a:solidFill>
+                  <a:srgbClr val="ff8000"/>
+                </a:solidFill>
+                <a:latin typeface="Arial"/>
+              </a:rPr>
+              <a:t>a6</a:t>
+            </a:r>
+            <a:r>
+              <a:rPr b="0" lang="en-GB" sz="1000" spc="-1" strike="noStrike">
+                <a:solidFill>
+                  <a:srgbClr val="ff8000"/>
+                </a:solidFill>
+                <a:latin typeface="Arial"/>
+              </a:rPr>
+              <a:t> \/</a:t>
+            </a:r>
+            <a:endParaRPr b="0" lang="en-GB" sz="1000" spc="-1" strike="noStrike">
+              <a:latin typeface="Arial"/>
+            </a:endParaRPr>
+          </a:p>
+        </p:txBody>
+      </p:sp>
+      <p:sp>
+        <p:nvSpPr>
+          <p:cNvPr id="189" name="TextShape 10"/>
+          <p:cNvSpPr txBox="1"/>
+          <p:nvPr/>
+        </p:nvSpPr>
+        <p:spPr>
+          <a:xfrm>
+            <a:off x="7220880" y="1118160"/>
+            <a:ext cx="425880" cy="232200"/>
+          </a:xfrm>
+          <a:prstGeom prst="rect">
+            <a:avLst/>
+          </a:prstGeom>
+          <a:noFill/>
+          <a:ln w="0">
+            <a:noFill/>
+          </a:ln>
+        </p:spPr>
+        <p:txBody>
+          <a:bodyPr lIns="90000" rIns="90000" tIns="45000" bIns="45000">
+            <a:noAutofit/>
+          </a:bodyPr>
+          <a:p>
+            <a:r>
+              <a:rPr b="0" lang="en-GB" sz="1000" spc="-1" strike="noStrike">
+                <a:solidFill>
+                  <a:srgbClr val="ff8000"/>
+                </a:solidFill>
+                <a:latin typeface="Arial"/>
+              </a:rPr>
+              <a:t>a7</a:t>
+            </a:r>
+            <a:r>
+              <a:rPr b="0" lang="en-GB" sz="1000" spc="-1" strike="noStrike">
+                <a:solidFill>
+                  <a:srgbClr val="ff8000"/>
+                </a:solidFill>
+                <a:latin typeface="Arial"/>
+              </a:rPr>
+              <a:t> \/</a:t>
+            </a:r>
+            <a:endParaRPr b="0" lang="en-GB" sz="1000" spc="-1" strike="noStrike">
+              <a:latin typeface="Arial"/>
+            </a:endParaRPr>
+          </a:p>
+        </p:txBody>
+      </p:sp>
+      <p:sp>
+        <p:nvSpPr>
+          <p:cNvPr id="190" name="TextShape 11"/>
+          <p:cNvSpPr txBox="1"/>
+          <p:nvPr/>
+        </p:nvSpPr>
+        <p:spPr>
+          <a:xfrm>
+            <a:off x="8192880" y="1118520"/>
+            <a:ext cx="425880" cy="232200"/>
+          </a:xfrm>
+          <a:prstGeom prst="rect">
+            <a:avLst/>
+          </a:prstGeom>
+          <a:noFill/>
+          <a:ln w="0">
+            <a:noFill/>
+          </a:ln>
+        </p:spPr>
+        <p:txBody>
+          <a:bodyPr lIns="90000" rIns="90000" tIns="45000" bIns="45000">
+            <a:noAutofit/>
+          </a:bodyPr>
+          <a:p>
+            <a:r>
+              <a:rPr b="0" lang="en-GB" sz="1000" spc="-1" strike="noStrike">
+                <a:solidFill>
+                  <a:srgbClr val="ff8000"/>
+                </a:solidFill>
+                <a:latin typeface="Arial"/>
+              </a:rPr>
+              <a:t>a8</a:t>
+            </a:r>
+            <a:r>
+              <a:rPr b="0" lang="en-GB" sz="1000" spc="-1" strike="noStrike">
+                <a:solidFill>
+                  <a:srgbClr val="ff8000"/>
+                </a:solidFill>
+                <a:latin typeface="Arial"/>
+              </a:rPr>
+              <a:t> \/</a:t>
+            </a:r>
+            <a:endParaRPr b="0" lang="en-GB" sz="1000" spc="-1" strike="noStrike">
+              <a:latin typeface="Arial"/>
+            </a:endParaRPr>
+          </a:p>
+        </p:txBody>
+      </p:sp>
+      <p:sp>
+        <p:nvSpPr>
+          <p:cNvPr id="191" name="TextShape 12"/>
+          <p:cNvSpPr txBox="1"/>
+          <p:nvPr/>
+        </p:nvSpPr>
+        <p:spPr>
+          <a:xfrm>
+            <a:off x="9200880" y="1118880"/>
+            <a:ext cx="425880" cy="232200"/>
+          </a:xfrm>
+          <a:prstGeom prst="rect">
+            <a:avLst/>
+          </a:prstGeom>
+          <a:noFill/>
+          <a:ln w="0">
+            <a:noFill/>
+          </a:ln>
+        </p:spPr>
+        <p:txBody>
+          <a:bodyPr lIns="90000" rIns="90000" tIns="45000" bIns="45000">
+            <a:noAutofit/>
+          </a:bodyPr>
+          <a:p>
+            <a:r>
+              <a:rPr b="0" lang="en-GB" sz="1000" spc="-1" strike="noStrike">
+                <a:solidFill>
+                  <a:srgbClr val="ff8000"/>
+                </a:solidFill>
+                <a:latin typeface="Arial"/>
+              </a:rPr>
+              <a:t>a9</a:t>
+            </a:r>
+            <a:r>
+              <a:rPr b="0" lang="en-GB" sz="1000" spc="-1" strike="noStrike">
+                <a:solidFill>
+                  <a:srgbClr val="ff8000"/>
+                </a:solidFill>
+                <a:latin typeface="Arial"/>
+              </a:rPr>
+              <a:t> \/</a:t>
+            </a:r>
+            <a:endParaRPr b="0" lang="en-GB" sz="1000" spc="-1" strike="noStrike">
+              <a:latin typeface="Arial"/>
+            </a:endParaRPr>
+          </a:p>
+        </p:txBody>
+      </p:sp>
+      <p:sp>
+        <p:nvSpPr>
+          <p:cNvPr id="192" name="TextShape 13"/>
+          <p:cNvSpPr txBox="1"/>
+          <p:nvPr/>
+        </p:nvSpPr>
+        <p:spPr>
+          <a:xfrm>
+            <a:off x="689760" y="2107800"/>
+            <a:ext cx="425880" cy="232200"/>
+          </a:xfrm>
+          <a:prstGeom prst="rect">
+            <a:avLst/>
+          </a:prstGeom>
+          <a:noFill/>
+          <a:ln w="0">
+            <a:noFill/>
+          </a:ln>
+        </p:spPr>
+        <p:txBody>
+          <a:bodyPr lIns="90000" rIns="90000" tIns="45000" bIns="45000">
+            <a:noAutofit/>
+          </a:bodyPr>
+          <a:p>
+            <a:r>
+              <a:rPr b="0" lang="en-GB" sz="1000" spc="-1" strike="noStrike">
+                <a:solidFill>
+                  <a:srgbClr val="ff8000"/>
+                </a:solidFill>
+                <a:latin typeface="Arial"/>
+              </a:rPr>
+              <a:t>a1</a:t>
+            </a:r>
+            <a:r>
+              <a:rPr b="0" lang="en-GB" sz="1000" spc="-1" strike="noStrike">
+                <a:solidFill>
+                  <a:srgbClr val="ff8000"/>
+                </a:solidFill>
+                <a:latin typeface="Arial"/>
+              </a:rPr>
+              <a:t> \/</a:t>
+            </a:r>
+            <a:endParaRPr b="0" lang="en-GB" sz="1000" spc="-1" strike="noStrike">
+              <a:latin typeface="Arial"/>
+            </a:endParaRPr>
+          </a:p>
+        </p:txBody>
+      </p:sp>
+      <p:sp>
+        <p:nvSpPr>
+          <p:cNvPr id="193" name="TextShape 14"/>
+          <p:cNvSpPr txBox="1"/>
+          <p:nvPr/>
+        </p:nvSpPr>
+        <p:spPr>
+          <a:xfrm>
+            <a:off x="684000" y="2935800"/>
+            <a:ext cx="425880" cy="232200"/>
+          </a:xfrm>
+          <a:prstGeom prst="rect">
+            <a:avLst/>
+          </a:prstGeom>
+          <a:noFill/>
+          <a:ln w="0">
+            <a:noFill/>
+          </a:ln>
+        </p:spPr>
+        <p:txBody>
+          <a:bodyPr lIns="90000" rIns="90000" tIns="45000" bIns="45000">
+            <a:noAutofit/>
+          </a:bodyPr>
+          <a:p>
+            <a:r>
+              <a:rPr b="0" lang="en-GB" sz="1000" spc="-1" strike="noStrike">
+                <a:solidFill>
+                  <a:srgbClr val="ff8000"/>
+                </a:solidFill>
+                <a:latin typeface="Arial"/>
+              </a:rPr>
+              <a:t>a2</a:t>
+            </a:r>
+            <a:r>
+              <a:rPr b="0" lang="en-GB" sz="1000" spc="-1" strike="noStrike">
+                <a:solidFill>
+                  <a:srgbClr val="ff8000"/>
+                </a:solidFill>
+                <a:latin typeface="Arial"/>
+              </a:rPr>
+              <a:t> \/</a:t>
+            </a:r>
+            <a:endParaRPr b="0" lang="en-GB" sz="1000" spc="-1" strike="noStrike">
+              <a:latin typeface="Arial"/>
+            </a:endParaRPr>
+          </a:p>
+        </p:txBody>
+      </p:sp>
+      <p:sp>
+        <p:nvSpPr>
+          <p:cNvPr id="194" name="TextShape 15"/>
+          <p:cNvSpPr txBox="1"/>
+          <p:nvPr/>
+        </p:nvSpPr>
+        <p:spPr>
+          <a:xfrm>
+            <a:off x="689760" y="3403800"/>
+            <a:ext cx="425880" cy="232200"/>
+          </a:xfrm>
+          <a:prstGeom prst="rect">
+            <a:avLst/>
+          </a:prstGeom>
+          <a:noFill/>
+          <a:ln w="0">
+            <a:noFill/>
+          </a:ln>
+        </p:spPr>
+        <p:txBody>
+          <a:bodyPr lIns="90000" rIns="90000" tIns="45000" bIns="45000">
+            <a:noAutofit/>
+          </a:bodyPr>
+          <a:p>
+            <a:r>
+              <a:rPr b="0" lang="en-GB" sz="1000" spc="-1" strike="noStrike">
+                <a:solidFill>
+                  <a:srgbClr val="ff8000"/>
+                </a:solidFill>
+                <a:latin typeface="Arial"/>
+              </a:rPr>
+              <a:t>a3</a:t>
+            </a:r>
+            <a:r>
+              <a:rPr b="0" lang="en-GB" sz="1000" spc="-1" strike="noStrike">
+                <a:solidFill>
+                  <a:srgbClr val="ff8000"/>
+                </a:solidFill>
+                <a:latin typeface="Arial"/>
+              </a:rPr>
+              <a:t> \/</a:t>
+            </a:r>
+            <a:endParaRPr b="0" lang="en-GB" sz="1000" spc="-1" strike="noStrike">
+              <a:latin typeface="Arial"/>
+            </a:endParaRPr>
+          </a:p>
+        </p:txBody>
+      </p:sp>
+      <p:sp>
+        <p:nvSpPr>
+          <p:cNvPr id="195" name="TextShape 16"/>
+          <p:cNvSpPr txBox="1"/>
+          <p:nvPr/>
+        </p:nvSpPr>
+        <p:spPr>
+          <a:xfrm>
+            <a:off x="576000" y="4212000"/>
+            <a:ext cx="425880" cy="232200"/>
+          </a:xfrm>
+          <a:prstGeom prst="rect">
+            <a:avLst/>
+          </a:prstGeom>
+          <a:noFill/>
+          <a:ln w="0">
+            <a:noFill/>
+          </a:ln>
+        </p:spPr>
+        <p:txBody>
+          <a:bodyPr lIns="90000" rIns="90000" tIns="45000" bIns="45000">
+            <a:noAutofit/>
+          </a:bodyPr>
+          <a:p>
+            <a:r>
+              <a:rPr b="0" lang="en-GB" sz="1000" spc="-1" strike="noStrike">
+                <a:solidFill>
+                  <a:srgbClr val="ff8000"/>
+                </a:solidFill>
+                <a:latin typeface="Arial"/>
+              </a:rPr>
+              <a:t>a4</a:t>
+            </a:r>
+            <a:r>
+              <a:rPr b="0" lang="en-GB" sz="1000" spc="-1" strike="noStrike">
+                <a:solidFill>
+                  <a:srgbClr val="ff8000"/>
+                </a:solidFill>
+                <a:latin typeface="Arial"/>
+              </a:rPr>
+              <a:t> \/</a:t>
+            </a:r>
+            <a:endParaRPr b="0" lang="en-GB" sz="1000" spc="-1" strike="noStrike">
+              <a:latin typeface="Arial"/>
+            </a:endParaRPr>
+          </a:p>
+        </p:txBody>
+      </p:sp>
+      <p:sp>
+        <p:nvSpPr>
+          <p:cNvPr id="196" name="TextShape 17"/>
+          <p:cNvSpPr txBox="1"/>
+          <p:nvPr/>
+        </p:nvSpPr>
+        <p:spPr>
+          <a:xfrm>
+            <a:off x="576000" y="4663800"/>
+            <a:ext cx="425880" cy="232200"/>
+          </a:xfrm>
+          <a:prstGeom prst="rect">
+            <a:avLst/>
+          </a:prstGeom>
+          <a:noFill/>
+          <a:ln w="0">
+            <a:noFill/>
+          </a:ln>
+        </p:spPr>
+        <p:txBody>
+          <a:bodyPr lIns="90000" rIns="90000" tIns="45000" bIns="45000">
+            <a:noAutofit/>
+          </a:bodyPr>
+          <a:p>
+            <a:r>
+              <a:rPr b="0" lang="en-GB" sz="1000" spc="-1" strike="noStrike">
+                <a:solidFill>
+                  <a:srgbClr val="ff8000"/>
+                </a:solidFill>
+                <a:latin typeface="Arial"/>
+              </a:rPr>
+              <a:t>a5</a:t>
+            </a:r>
+            <a:r>
+              <a:rPr b="0" lang="en-GB" sz="1000" spc="-1" strike="noStrike">
+                <a:solidFill>
+                  <a:srgbClr val="ff8000"/>
+                </a:solidFill>
+                <a:latin typeface="Arial"/>
+              </a:rPr>
+              <a:t> \/</a:t>
+            </a:r>
+            <a:endParaRPr b="0" lang="en-GB" sz="1000" spc="-1" strike="noStrike">
+              <a:latin typeface="Arial"/>
+            </a:endParaRPr>
+          </a:p>
+        </p:txBody>
+      </p:sp>
+      <p:sp>
+        <p:nvSpPr>
+          <p:cNvPr id="197" name="TextShape 18"/>
+          <p:cNvSpPr txBox="1"/>
+          <p:nvPr/>
+        </p:nvSpPr>
+        <p:spPr>
+          <a:xfrm>
+            <a:off x="689760" y="5076000"/>
+            <a:ext cx="425880" cy="232200"/>
+          </a:xfrm>
+          <a:prstGeom prst="rect">
+            <a:avLst/>
+          </a:prstGeom>
+          <a:noFill/>
+          <a:ln w="0">
+            <a:noFill/>
+          </a:ln>
+        </p:spPr>
+        <p:txBody>
+          <a:bodyPr lIns="90000" rIns="90000" tIns="45000" bIns="45000">
+            <a:noAutofit/>
+          </a:bodyPr>
+          <a:p>
+            <a:r>
+              <a:rPr b="0" lang="en-GB" sz="1000" spc="-1" strike="noStrike">
+                <a:solidFill>
+                  <a:srgbClr val="ff8000"/>
+                </a:solidFill>
+                <a:latin typeface="Arial"/>
+              </a:rPr>
+              <a:t>a7</a:t>
+            </a:r>
+            <a:r>
+              <a:rPr b="0" lang="en-GB" sz="1000" spc="-1" strike="noStrike">
+                <a:solidFill>
+                  <a:srgbClr val="ff8000"/>
+                </a:solidFill>
+                <a:latin typeface="Arial"/>
+              </a:rPr>
+              <a:t> \/</a:t>
+            </a:r>
+            <a:endParaRPr b="0" lang="en-GB" sz="1000" spc="-1" strike="noStrike">
+              <a:latin typeface="Arial"/>
+            </a:endParaRPr>
+          </a:p>
+        </p:txBody>
+      </p:sp>
+      <p:sp>
+        <p:nvSpPr>
+          <p:cNvPr id="198" name="TextShape 19"/>
+          <p:cNvSpPr txBox="1"/>
+          <p:nvPr/>
+        </p:nvSpPr>
+        <p:spPr>
+          <a:xfrm>
+            <a:off x="3096000" y="4716000"/>
+            <a:ext cx="1260000" cy="232200"/>
+          </a:xfrm>
+          <a:prstGeom prst="rect">
+            <a:avLst/>
+          </a:prstGeom>
+          <a:noFill/>
+          <a:ln w="0">
+            <a:noFill/>
+          </a:ln>
+        </p:spPr>
+        <p:txBody>
+          <a:bodyPr lIns="90000" rIns="90000" tIns="45000" bIns="45000">
+            <a:noAutofit/>
+          </a:bodyPr>
+          <a:p>
+            <a:r>
+              <a:rPr b="0" lang="en-GB" sz="1000" spc="-1" strike="noStrike">
+                <a:solidFill>
+                  <a:srgbClr val="ff8000"/>
+                </a:solidFill>
+                <a:latin typeface="Arial"/>
+                <a:ea typeface="Bitstream Vera Sans"/>
+              </a:rPr>
+              <a:t>\/  </a:t>
+            </a:r>
+            <a:r>
+              <a:rPr b="0" lang="en-GB" sz="1000" spc="-1" strike="noStrike">
+                <a:solidFill>
+                  <a:srgbClr val="ff8000"/>
+                </a:solidFill>
+                <a:latin typeface="Arial"/>
+                <a:ea typeface="Bitstream Vera Sans"/>
+              </a:rPr>
+              <a:t>a5</a:t>
+            </a:r>
+            <a:r>
+              <a:rPr b="0" lang="en-GB" sz="1000" spc="-1" strike="noStrike">
+                <a:solidFill>
+                  <a:srgbClr val="ff8000"/>
+                </a:solidFill>
+                <a:latin typeface="Arial"/>
+                <a:ea typeface="Bitstream Vera Sans"/>
+              </a:rPr>
+              <a:t> \/ </a:t>
+            </a:r>
+            <a:r>
+              <a:rPr b="0" lang="en-GB" sz="1000" spc="-1" strike="noStrike">
+                <a:solidFill>
+                  <a:srgbClr val="ff8000"/>
+                </a:solidFill>
+                <a:latin typeface="Arial"/>
+              </a:rPr>
+              <a:t>a7</a:t>
+            </a:r>
+            <a:endParaRPr b="0" lang="en-GB" sz="1000" spc="-1" strike="noStrike">
+              <a:latin typeface="Arial"/>
+            </a:endParaRPr>
+          </a:p>
+        </p:txBody>
+      </p:sp>
+      <p:sp>
+        <p:nvSpPr>
+          <p:cNvPr id="199" name="TextShape 20"/>
+          <p:cNvSpPr txBox="1"/>
+          <p:nvPr/>
+        </p:nvSpPr>
+        <p:spPr>
+          <a:xfrm>
+            <a:off x="3024000" y="4284360"/>
+            <a:ext cx="1260000" cy="232200"/>
+          </a:xfrm>
+          <a:prstGeom prst="rect">
+            <a:avLst/>
+          </a:prstGeom>
+          <a:noFill/>
+          <a:ln w="0">
+            <a:noFill/>
+          </a:ln>
+        </p:spPr>
+        <p:txBody>
+          <a:bodyPr lIns="90000" rIns="90000" tIns="45000" bIns="45000">
+            <a:noAutofit/>
+          </a:bodyPr>
+          <a:p>
+            <a:r>
+              <a:rPr b="0" lang="en-GB" sz="1000" spc="-1" strike="noStrike">
+                <a:solidFill>
+                  <a:srgbClr val="ff8000"/>
+                </a:solidFill>
+                <a:latin typeface="Arial"/>
+                <a:ea typeface="Bitstream Vera Sans"/>
+              </a:rPr>
+              <a:t> </a:t>
+            </a:r>
+            <a:r>
+              <a:rPr b="0" lang="en-GB" sz="1000" spc="-1" strike="noStrike">
+                <a:solidFill>
+                  <a:srgbClr val="ff8000"/>
+                </a:solidFill>
+                <a:latin typeface="Arial"/>
+                <a:ea typeface="Bitstream Vera Sans"/>
+              </a:rPr>
+              <a:t>\/   </a:t>
+            </a:r>
+            <a:r>
+              <a:rPr b="0" lang="en-GB" sz="1000" spc="-1" strike="noStrike">
+                <a:solidFill>
+                  <a:srgbClr val="ff8000"/>
+                </a:solidFill>
+                <a:latin typeface="Arial"/>
+                <a:ea typeface="Bitstream Vera Sans"/>
+              </a:rPr>
+              <a:t>a4</a:t>
+            </a:r>
+            <a:r>
+              <a:rPr b="0" lang="en-GB" sz="1000" spc="-1" strike="noStrike">
+                <a:solidFill>
+                  <a:srgbClr val="ff8000"/>
+                </a:solidFill>
+                <a:latin typeface="Arial"/>
+                <a:ea typeface="Bitstream Vera Sans"/>
+              </a:rPr>
+              <a:t> </a:t>
+            </a:r>
+            <a:r>
+              <a:rPr b="0" lang="en-GB" sz="1000" spc="-1" strike="noStrike">
+                <a:solidFill>
+                  <a:srgbClr val="ff8000"/>
+                </a:solidFill>
+                <a:latin typeface="Arial"/>
+                <a:ea typeface="Bitstream Vera Sans"/>
+              </a:rPr>
+              <a:t>\/ </a:t>
+            </a:r>
+            <a:r>
+              <a:rPr b="0" lang="en-GB" sz="1000" spc="-1" strike="noStrike">
+                <a:solidFill>
+                  <a:srgbClr val="ff8000"/>
+                </a:solidFill>
+                <a:latin typeface="Arial"/>
+                <a:ea typeface="Bitstream Vera Sans"/>
+              </a:rPr>
+              <a:t>a5</a:t>
+            </a:r>
+            <a:r>
+              <a:rPr b="0" lang="en-GB" sz="1000" spc="-1" strike="noStrike">
+                <a:solidFill>
+                  <a:srgbClr val="ff8000"/>
+                </a:solidFill>
+                <a:latin typeface="Arial"/>
+                <a:ea typeface="Bitstream Vera Sans"/>
+              </a:rPr>
+              <a:t> \/ </a:t>
+            </a:r>
+            <a:r>
+              <a:rPr b="0" lang="en-GB" sz="1000" spc="-1" strike="noStrike">
+                <a:solidFill>
+                  <a:srgbClr val="ff8000"/>
+                </a:solidFill>
+                <a:latin typeface="Arial"/>
+              </a:rPr>
+              <a:t>a7</a:t>
+            </a:r>
+            <a:endParaRPr b="0" lang="en-GB" sz="1000" spc="-1" strike="noStrike">
+              <a:latin typeface="Arial"/>
+            </a:endParaRPr>
+          </a:p>
+        </p:txBody>
+      </p:sp>
+      <p:sp>
+        <p:nvSpPr>
+          <p:cNvPr id="200" name="TextShape 21"/>
+          <p:cNvSpPr txBox="1"/>
+          <p:nvPr/>
+        </p:nvSpPr>
+        <p:spPr>
+          <a:xfrm>
+            <a:off x="1800000" y="1567800"/>
+            <a:ext cx="534240" cy="232200"/>
+          </a:xfrm>
+          <a:prstGeom prst="rect">
+            <a:avLst/>
+          </a:prstGeom>
+          <a:noFill/>
+          <a:ln w="0">
+            <a:solidFill>
+              <a:srgbClr val="729fcf"/>
+            </a:solidFill>
+          </a:ln>
+        </p:spPr>
+        <p:txBody>
+          <a:bodyPr lIns="90000" rIns="90000" tIns="45000" bIns="45000">
+            <a:noAutofit/>
+          </a:bodyPr>
+          <a:p>
+            <a:r>
+              <a:rPr b="0" lang="en-GB" sz="1000" spc="-1" strike="noStrike">
+                <a:solidFill>
+                  <a:srgbClr val="ff8000"/>
+                </a:solidFill>
+                <a:latin typeface="Arial"/>
+              </a:rPr>
+              <a:t>a1 = 1</a:t>
+            </a:r>
+            <a:endParaRPr b="0" lang="en-GB" sz="1000" spc="-1" strike="noStrike">
+              <a:latin typeface="Arial"/>
+            </a:endParaRPr>
+          </a:p>
+        </p:txBody>
+      </p:sp>
+      <p:sp>
+        <p:nvSpPr>
+          <p:cNvPr id="201" name="TextShape 22"/>
+          <p:cNvSpPr txBox="1"/>
+          <p:nvPr/>
+        </p:nvSpPr>
+        <p:spPr>
+          <a:xfrm>
+            <a:off x="1800000" y="1784160"/>
+            <a:ext cx="534240" cy="232200"/>
+          </a:xfrm>
+          <a:prstGeom prst="rect">
+            <a:avLst/>
+          </a:prstGeom>
+          <a:noFill/>
+          <a:ln w="0">
+            <a:solidFill>
+              <a:srgbClr val="729fcf"/>
+            </a:solidFill>
+          </a:ln>
+        </p:spPr>
+        <p:txBody>
+          <a:bodyPr lIns="90000" rIns="90000" tIns="45000" bIns="45000">
+            <a:noAutofit/>
+          </a:bodyPr>
+          <a:p>
+            <a:r>
+              <a:rPr b="0" lang="en-GB" sz="1000" spc="-1" strike="noStrike">
+                <a:solidFill>
+                  <a:srgbClr val="ff8000"/>
+                </a:solidFill>
+                <a:latin typeface="Arial"/>
+              </a:rPr>
+              <a:t>a2 = 1</a:t>
+            </a:r>
+            <a:endParaRPr b="0" lang="en-GB" sz="1000" spc="-1" strike="noStrike">
+              <a:latin typeface="Arial"/>
+            </a:endParaRPr>
+          </a:p>
+        </p:txBody>
+      </p:sp>
+      <p:sp>
+        <p:nvSpPr>
+          <p:cNvPr id="202" name="TextShape 23"/>
+          <p:cNvSpPr txBox="1"/>
+          <p:nvPr/>
+        </p:nvSpPr>
+        <p:spPr>
+          <a:xfrm>
+            <a:off x="1800000" y="2000520"/>
+            <a:ext cx="534240" cy="232200"/>
+          </a:xfrm>
+          <a:prstGeom prst="rect">
+            <a:avLst/>
+          </a:prstGeom>
+          <a:noFill/>
+          <a:ln w="0">
+            <a:solidFill>
+              <a:srgbClr val="729fcf"/>
+            </a:solidFill>
+          </a:ln>
+        </p:spPr>
+        <p:txBody>
+          <a:bodyPr lIns="90000" rIns="90000" tIns="45000" bIns="45000">
+            <a:noAutofit/>
+          </a:bodyPr>
+          <a:p>
+            <a:r>
+              <a:rPr b="0" lang="en-GB" sz="1000" spc="-1" strike="noStrike">
+                <a:solidFill>
+                  <a:srgbClr val="ff8000"/>
+                </a:solidFill>
+                <a:latin typeface="Arial"/>
+              </a:rPr>
+              <a:t>a3 = 1</a:t>
+            </a:r>
+            <a:endParaRPr b="0" lang="en-GB" sz="1000" spc="-1" strike="noStrike">
+              <a:latin typeface="Arial"/>
+            </a:endParaRPr>
+          </a:p>
+        </p:txBody>
+      </p:sp>
+      <p:sp>
+        <p:nvSpPr>
+          <p:cNvPr id="203" name="TextShape 24"/>
+          <p:cNvSpPr txBox="1"/>
+          <p:nvPr/>
+        </p:nvSpPr>
+        <p:spPr>
+          <a:xfrm>
+            <a:off x="1800000" y="2216880"/>
+            <a:ext cx="534240" cy="232200"/>
+          </a:xfrm>
+          <a:prstGeom prst="rect">
+            <a:avLst/>
+          </a:prstGeom>
+          <a:noFill/>
+          <a:ln w="0">
+            <a:solidFill>
+              <a:srgbClr val="729fcf"/>
+            </a:solidFill>
+          </a:ln>
+        </p:spPr>
+        <p:txBody>
+          <a:bodyPr lIns="90000" rIns="90000" tIns="45000" bIns="45000">
+            <a:noAutofit/>
+          </a:bodyPr>
+          <a:p>
+            <a:r>
+              <a:rPr b="0" lang="en-GB" sz="1000" spc="-1" strike="noStrike">
+                <a:solidFill>
+                  <a:srgbClr val="ff8000"/>
+                </a:solidFill>
+                <a:latin typeface="Arial"/>
+              </a:rPr>
+              <a:t>a4 = 1</a:t>
+            </a:r>
+            <a:endParaRPr b="0" lang="en-GB" sz="1000" spc="-1" strike="noStrike">
+              <a:latin typeface="Arial"/>
+            </a:endParaRPr>
+          </a:p>
+        </p:txBody>
+      </p:sp>
+      <p:sp>
+        <p:nvSpPr>
+          <p:cNvPr id="204" name="TextShape 25"/>
+          <p:cNvSpPr txBox="1"/>
+          <p:nvPr/>
+        </p:nvSpPr>
+        <p:spPr>
+          <a:xfrm>
+            <a:off x="1800000" y="2433240"/>
+            <a:ext cx="534240" cy="232200"/>
+          </a:xfrm>
+          <a:prstGeom prst="rect">
+            <a:avLst/>
+          </a:prstGeom>
+          <a:noFill/>
+          <a:ln w="0">
+            <a:solidFill>
+              <a:srgbClr val="729fcf"/>
+            </a:solidFill>
+          </a:ln>
+        </p:spPr>
+        <p:txBody>
+          <a:bodyPr lIns="90000" rIns="90000" tIns="45000" bIns="45000">
+            <a:noAutofit/>
+          </a:bodyPr>
+          <a:p>
+            <a:r>
+              <a:rPr b="0" lang="en-GB" sz="1000" spc="-1" strike="noStrike">
+                <a:solidFill>
+                  <a:srgbClr val="ff8000"/>
+                </a:solidFill>
+                <a:latin typeface="Arial"/>
+              </a:rPr>
+              <a:t>a5 = 1</a:t>
+            </a:r>
+            <a:endParaRPr b="0" lang="en-GB" sz="1000" spc="-1" strike="noStrike">
+              <a:latin typeface="Arial"/>
+            </a:endParaRPr>
+          </a:p>
+        </p:txBody>
+      </p:sp>
+      <p:sp>
+        <p:nvSpPr>
+          <p:cNvPr id="205" name="TextShape 26"/>
+          <p:cNvSpPr txBox="1"/>
+          <p:nvPr/>
+        </p:nvSpPr>
+        <p:spPr>
+          <a:xfrm>
+            <a:off x="1800000" y="2649600"/>
+            <a:ext cx="534240" cy="232200"/>
+          </a:xfrm>
+          <a:prstGeom prst="rect">
+            <a:avLst/>
+          </a:prstGeom>
+          <a:noFill/>
+          <a:ln w="0">
+            <a:solidFill>
+              <a:srgbClr val="729fcf"/>
+            </a:solidFill>
+          </a:ln>
+        </p:spPr>
+        <p:txBody>
+          <a:bodyPr lIns="90000" rIns="90000" tIns="45000" bIns="45000">
+            <a:noAutofit/>
+          </a:bodyPr>
+          <a:p>
+            <a:r>
+              <a:rPr b="0" lang="en-GB" sz="1000" spc="-1" strike="noStrike">
+                <a:solidFill>
+                  <a:srgbClr val="ff8000"/>
+                </a:solidFill>
+                <a:latin typeface="Arial"/>
+              </a:rPr>
+              <a:t>a6 = 1</a:t>
+            </a:r>
+            <a:endParaRPr b="0" lang="en-GB" sz="1000" spc="-1" strike="noStrike">
+              <a:latin typeface="Arial"/>
+            </a:endParaRPr>
+          </a:p>
+        </p:txBody>
+      </p:sp>
+      <p:sp>
+        <p:nvSpPr>
+          <p:cNvPr id="206" name="TextShape 27"/>
+          <p:cNvSpPr txBox="1"/>
+          <p:nvPr/>
+        </p:nvSpPr>
+        <p:spPr>
+          <a:xfrm>
+            <a:off x="1800000" y="2865960"/>
+            <a:ext cx="534240" cy="232200"/>
+          </a:xfrm>
+          <a:prstGeom prst="rect">
+            <a:avLst/>
+          </a:prstGeom>
+          <a:noFill/>
+          <a:ln w="0">
+            <a:solidFill>
+              <a:srgbClr val="729fcf"/>
+            </a:solidFill>
+          </a:ln>
+        </p:spPr>
+        <p:txBody>
+          <a:bodyPr lIns="90000" rIns="90000" tIns="45000" bIns="45000">
+            <a:noAutofit/>
+          </a:bodyPr>
+          <a:p>
+            <a:r>
+              <a:rPr b="0" lang="en-GB" sz="1000" spc="-1" strike="noStrike">
+                <a:solidFill>
+                  <a:srgbClr val="ff8000"/>
+                </a:solidFill>
+                <a:latin typeface="Arial"/>
+              </a:rPr>
+              <a:t>a7 = 1</a:t>
+            </a:r>
+            <a:endParaRPr b="0" lang="en-GB" sz="1000" spc="-1" strike="noStrike">
+              <a:latin typeface="Arial"/>
+            </a:endParaRPr>
+          </a:p>
+        </p:txBody>
+      </p:sp>
+      <p:sp>
+        <p:nvSpPr>
+          <p:cNvPr id="207" name="TextShape 28"/>
+          <p:cNvSpPr txBox="1"/>
+          <p:nvPr/>
+        </p:nvSpPr>
+        <p:spPr>
+          <a:xfrm>
+            <a:off x="1800000" y="3082320"/>
+            <a:ext cx="534240" cy="232200"/>
+          </a:xfrm>
+          <a:prstGeom prst="rect">
+            <a:avLst/>
+          </a:prstGeom>
+          <a:noFill/>
+          <a:ln w="0">
+            <a:solidFill>
+              <a:srgbClr val="729fcf"/>
+            </a:solidFill>
+          </a:ln>
+        </p:spPr>
+        <p:txBody>
+          <a:bodyPr lIns="90000" rIns="90000" tIns="45000" bIns="45000">
+            <a:noAutofit/>
+          </a:bodyPr>
+          <a:p>
+            <a:r>
+              <a:rPr b="0" lang="en-GB" sz="1000" spc="-1" strike="noStrike">
+                <a:solidFill>
+                  <a:srgbClr val="ff8000"/>
+                </a:solidFill>
+                <a:latin typeface="Arial"/>
+              </a:rPr>
+              <a:t>a8 = 1</a:t>
+            </a:r>
+            <a:endParaRPr b="0" lang="en-GB" sz="1000" spc="-1" strike="noStrike">
+              <a:latin typeface="Arial"/>
+            </a:endParaRPr>
+          </a:p>
+        </p:txBody>
+      </p:sp>
+      <p:sp>
+        <p:nvSpPr>
+          <p:cNvPr id="208" name="TextShape 29"/>
+          <p:cNvSpPr txBox="1"/>
+          <p:nvPr/>
+        </p:nvSpPr>
+        <p:spPr>
+          <a:xfrm>
+            <a:off x="1800000" y="3298680"/>
+            <a:ext cx="534240" cy="232200"/>
+          </a:xfrm>
+          <a:prstGeom prst="rect">
+            <a:avLst/>
+          </a:prstGeom>
+          <a:noFill/>
+          <a:ln w="0">
+            <a:solidFill>
+              <a:srgbClr val="729fcf"/>
+            </a:solidFill>
+          </a:ln>
+        </p:spPr>
+        <p:txBody>
+          <a:bodyPr lIns="90000" rIns="90000" tIns="45000" bIns="45000">
+            <a:noAutofit/>
+          </a:bodyPr>
+          <a:p>
+            <a:r>
+              <a:rPr b="0" lang="en-GB" sz="1000" spc="-1" strike="noStrike">
+                <a:solidFill>
+                  <a:srgbClr val="ff8000"/>
+                </a:solidFill>
+                <a:latin typeface="Arial"/>
+              </a:rPr>
+              <a:t>a9 = 1</a:t>
+            </a:r>
+            <a:endParaRPr b="0" lang="en-GB" sz="1000" spc="-1" strike="noStrike">
+              <a:latin typeface="Arial"/>
+            </a:endParaRPr>
+          </a:p>
+        </p:txBody>
+      </p:sp>
+      <p:sp>
+        <p:nvSpPr>
+          <p:cNvPr id="209" name="CustomShape 30"/>
+          <p:cNvSpPr/>
+          <p:nvPr/>
+        </p:nvSpPr>
+        <p:spPr>
+          <a:xfrm>
+            <a:off x="3420000" y="1440000"/>
+            <a:ext cx="7020000" cy="3240000"/>
+          </a:xfrm>
+          <a:prstGeom prst="rect">
+            <a:avLst/>
+          </a:prstGeom>
+          <a:solidFill>
+            <a:srgbClr val="ffffff"/>
+          </a:solidFill>
+          <a:ln w="0">
+            <a:noFill/>
+          </a:ln>
+        </p:spPr>
+        <p:style>
+          <a:lnRef idx="0"/>
+          <a:fillRef idx="0"/>
+          <a:effectRef idx="0"/>
+          <a:fontRef idx="minor"/>
+        </p:style>
+        <p:txBody>
+          <a:bodyPr wrap="none" lIns="90000" rIns="90000" tIns="45000" bIns="45000" anchor="ctr">
+            <a:noAutofit/>
+          </a:bodyPr>
+          <a:p>
+            <a:r>
+              <a:rPr b="1" lang="en-GB" sz="2800" spc="-1" strike="noStrike">
+                <a:solidFill>
+                  <a:srgbClr val="333333"/>
+                </a:solidFill>
+                <a:latin typeface="Arial"/>
+              </a:rPr>
+              <a:t>Clause learning with assumptions</a:t>
+            </a:r>
+            <a:endParaRPr b="1" lang="en-GB" sz="2800" spc="-1" strike="noStrike">
+              <a:latin typeface="Arial"/>
+            </a:endParaRPr>
+          </a:p>
+          <a:p>
+            <a:endParaRPr b="1" lang="en-GB" sz="2800" spc="-1" strike="noStrike">
+              <a:latin typeface="Arial"/>
+            </a:endParaRPr>
+          </a:p>
+          <a:p>
+            <a:pPr marL="216000" indent="-216000">
+              <a:buClr>
+                <a:srgbClr val="000000"/>
+              </a:buClr>
+              <a:buSzPct val="45000"/>
+              <a:buFont typeface="Wingdings" charset="2"/>
+              <a:buChar char=""/>
+            </a:pPr>
+            <a:r>
+              <a:rPr b="0" lang="en-GB" sz="2000" spc="-1" strike="noStrike">
+                <a:solidFill>
+                  <a:srgbClr val="333333"/>
+                </a:solidFill>
+                <a:latin typeface="Arial"/>
+              </a:rPr>
+              <a:t>Can extract UNSAT core:</a:t>
+            </a:r>
+            <a:br/>
+            <a:r>
+              <a:rPr b="0" lang="en-GB" sz="2000" spc="-1" strike="noStrike">
+                <a:solidFill>
+                  <a:srgbClr val="333333"/>
+                </a:solidFill>
+                <a:latin typeface="Arial"/>
+              </a:rPr>
+              <a:t>	</a:t>
+            </a:r>
+            <a:r>
+              <a:rPr b="0" lang="en-GB" sz="2000" spc="-1" strike="noStrike">
+                <a:solidFill>
+                  <a:srgbClr val="333333"/>
+                </a:solidFill>
+                <a:latin typeface="Arial"/>
+              </a:rPr>
+              <a:t>	</a:t>
+            </a:r>
+            <a:r>
+              <a:rPr b="0" lang="en-GB" sz="2000" spc="-1" strike="noStrike">
+                <a:solidFill>
+                  <a:srgbClr val="333333"/>
+                </a:solidFill>
+                <a:latin typeface="Arial"/>
+              </a:rPr>
+              <a:t>assumption variables present in ‘final’ conflict</a:t>
+            </a:r>
+            <a:endParaRPr b="1" lang="en-GB" sz="2000" spc="-1" strike="noStrike">
+              <a:latin typeface="Arial"/>
+            </a:endParaRPr>
+          </a:p>
+          <a:p>
+            <a:pPr marL="216000" indent="-216000">
+              <a:buClr>
+                <a:srgbClr val="000000"/>
+              </a:buClr>
+              <a:buSzPct val="45000"/>
+              <a:buFont typeface="Wingdings" charset="2"/>
+              <a:buChar char=""/>
+            </a:pPr>
+            <a:endParaRPr b="1" lang="en-GB" sz="2000" spc="-1" strike="noStrike">
+              <a:latin typeface="Arial"/>
+            </a:endParaRPr>
+          </a:p>
+          <a:p>
+            <a:pPr marL="216000" indent="-216000">
+              <a:buClr>
+                <a:srgbClr val="000000"/>
+              </a:buClr>
+              <a:buSzPct val="45000"/>
+              <a:buFont typeface="Wingdings" charset="2"/>
+              <a:buChar char=""/>
+            </a:pPr>
+            <a:r>
+              <a:rPr b="0" lang="en-GB" sz="2000" spc="-1" strike="noStrike">
+                <a:solidFill>
+                  <a:srgbClr val="333333"/>
+                </a:solidFill>
+                <a:latin typeface="Arial"/>
+              </a:rPr>
+              <a:t>Can solve repeatedly with diff. assumption variables</a:t>
+            </a:r>
+            <a:br/>
+            <a:r>
+              <a:rPr b="0" lang="en-GB" sz="2000" spc="-1" strike="noStrike">
+                <a:solidFill>
+                  <a:srgbClr val="333333"/>
+                </a:solidFill>
+                <a:latin typeface="Arial"/>
+              </a:rPr>
+              <a:t> </a:t>
+            </a:r>
+            <a:r>
+              <a:rPr b="0" lang="en-GB" sz="2000" spc="-1" strike="noStrike">
+                <a:solidFill>
+                  <a:srgbClr val="333333"/>
+                </a:solidFill>
+                <a:latin typeface="Arial"/>
+              </a:rPr>
+              <a:t>	</a:t>
+            </a:r>
+            <a:r>
+              <a:rPr b="0" lang="en-GB" sz="2000" spc="-1" strike="noStrike">
+                <a:solidFill>
+                  <a:srgbClr val="333333"/>
+                </a:solidFill>
+                <a:latin typeface="Arial"/>
+              </a:rPr>
+              <a:t>	</a:t>
+            </a:r>
+            <a:r>
+              <a:rPr b="0" lang="en-GB" sz="2000" spc="-1" strike="noStrike">
+                <a:solidFill>
+                  <a:srgbClr val="333333"/>
+                </a:solidFill>
+                <a:latin typeface="Arial"/>
+              </a:rPr>
+              <a:t>learned clauses </a:t>
+            </a:r>
+            <a:r>
+              <a:rPr b="0" lang="en-GB" sz="2000" spc="-1" strike="noStrike" u="sng">
+                <a:solidFill>
+                  <a:srgbClr val="333333"/>
+                </a:solidFill>
+                <a:uFillTx/>
+                <a:latin typeface="Arial"/>
+              </a:rPr>
+              <a:t>remain valid</a:t>
+            </a:r>
+            <a:r>
+              <a:rPr b="0" lang="en-GB" sz="2000" spc="-1" strike="noStrike">
+                <a:solidFill>
+                  <a:srgbClr val="333333"/>
+                </a:solidFill>
+                <a:latin typeface="Arial"/>
+              </a:rPr>
+              <a:t> (contain the assumps)</a:t>
+            </a:r>
+            <a:endParaRPr b="1" lang="en-GB" sz="2000" spc="-1" strike="noStrike">
               <a:latin typeface="Arial"/>
             </a:endParaRPr>
           </a:p>
